--- a/JAVA Learning Material/JAVA_Rohit/Core Java_1_Month_Plan/Day_6_Array.pptx
+++ b/JAVA Learning Material/JAVA_Rohit/Core Java_1_Month_Plan/Day_6_Array.pptx
@@ -11,6 +11,10 @@
     <p:sldId id="259" r:id="rId5"/>
     <p:sldId id="260" r:id="rId6"/>
     <p:sldId id="261" r:id="rId7"/>
+    <p:sldId id="262" r:id="rId8"/>
+    <p:sldId id="264" r:id="rId9"/>
+    <p:sldId id="263" r:id="rId10"/>
+    <p:sldId id="265" r:id="rId11"/>
   </p:sldIdLst>
   <p:sldSz cx="12192000" cy="6858000"/>
   <p:notesSz cx="6858000" cy="9144000"/>
@@ -109,6 +113,11 @@
       </a:defRPr>
     </a:lvl9pPr>
   </p:defaultTextStyle>
+  <p:extLst>
+    <p:ext uri="{EFAFB233-063F-42B5-8137-9DF3F51BA10A}">
+      <p15:sldGuideLst xmlns:p15="http://schemas.microsoft.com/office/powerpoint/2012/main"/>
+    </p:ext>
+  </p:extLst>
 </p:presentation>
 </file>
 
@@ -259,7 +268,7 @@
           <a:p>
             <a:fld id="{461EA795-6455-49B8-A064-26161126D1CE}" type="datetimeFigureOut">
               <a:rPr lang="en-US" smtClean="0"/>
-              <a:t>6/10/2020</a:t>
+              <a:t>9/20/2020</a:t>
             </a:fld>
             <a:endParaRPr lang="en-US"/>
           </a:p>
@@ -457,7 +466,7 @@
           <a:p>
             <a:fld id="{461EA795-6455-49B8-A064-26161126D1CE}" type="datetimeFigureOut">
               <a:rPr lang="en-US" smtClean="0"/>
-              <a:t>6/10/2020</a:t>
+              <a:t>9/20/2020</a:t>
             </a:fld>
             <a:endParaRPr lang="en-US"/>
           </a:p>
@@ -665,7 +674,7 @@
           <a:p>
             <a:fld id="{461EA795-6455-49B8-A064-26161126D1CE}" type="datetimeFigureOut">
               <a:rPr lang="en-US" smtClean="0"/>
-              <a:t>6/10/2020</a:t>
+              <a:t>9/20/2020</a:t>
             </a:fld>
             <a:endParaRPr lang="en-US"/>
           </a:p>
@@ -863,7 +872,7 @@
           <a:p>
             <a:fld id="{461EA795-6455-49B8-A064-26161126D1CE}" type="datetimeFigureOut">
               <a:rPr lang="en-US" smtClean="0"/>
-              <a:t>6/10/2020</a:t>
+              <a:t>9/20/2020</a:t>
             </a:fld>
             <a:endParaRPr lang="en-US"/>
           </a:p>
@@ -1138,7 +1147,7 @@
           <a:p>
             <a:fld id="{461EA795-6455-49B8-A064-26161126D1CE}" type="datetimeFigureOut">
               <a:rPr lang="en-US" smtClean="0"/>
-              <a:t>6/10/2020</a:t>
+              <a:t>9/20/2020</a:t>
             </a:fld>
             <a:endParaRPr lang="en-US"/>
           </a:p>
@@ -1403,7 +1412,7 @@
           <a:p>
             <a:fld id="{461EA795-6455-49B8-A064-26161126D1CE}" type="datetimeFigureOut">
               <a:rPr lang="en-US" smtClean="0"/>
-              <a:t>6/10/2020</a:t>
+              <a:t>9/20/2020</a:t>
             </a:fld>
             <a:endParaRPr lang="en-US"/>
           </a:p>
@@ -1815,7 +1824,7 @@
           <a:p>
             <a:fld id="{461EA795-6455-49B8-A064-26161126D1CE}" type="datetimeFigureOut">
               <a:rPr lang="en-US" smtClean="0"/>
-              <a:t>6/10/2020</a:t>
+              <a:t>9/20/2020</a:t>
             </a:fld>
             <a:endParaRPr lang="en-US"/>
           </a:p>
@@ -1956,7 +1965,7 @@
           <a:p>
             <a:fld id="{461EA795-6455-49B8-A064-26161126D1CE}" type="datetimeFigureOut">
               <a:rPr lang="en-US" smtClean="0"/>
-              <a:t>6/10/2020</a:t>
+              <a:t>9/20/2020</a:t>
             </a:fld>
             <a:endParaRPr lang="en-US"/>
           </a:p>
@@ -2069,7 +2078,7 @@
           <a:p>
             <a:fld id="{461EA795-6455-49B8-A064-26161126D1CE}" type="datetimeFigureOut">
               <a:rPr lang="en-US" smtClean="0"/>
-              <a:t>6/10/2020</a:t>
+              <a:t>9/20/2020</a:t>
             </a:fld>
             <a:endParaRPr lang="en-US"/>
           </a:p>
@@ -2380,7 +2389,7 @@
           <a:p>
             <a:fld id="{461EA795-6455-49B8-A064-26161126D1CE}" type="datetimeFigureOut">
               <a:rPr lang="en-US" smtClean="0"/>
-              <a:t>6/10/2020</a:t>
+              <a:t>9/20/2020</a:t>
             </a:fld>
             <a:endParaRPr lang="en-US"/>
           </a:p>
@@ -2668,7 +2677,7 @@
           <a:p>
             <a:fld id="{461EA795-6455-49B8-A064-26161126D1CE}" type="datetimeFigureOut">
               <a:rPr lang="en-US" smtClean="0"/>
-              <a:t>6/10/2020</a:t>
+              <a:t>9/20/2020</a:t>
             </a:fld>
             <a:endParaRPr lang="en-US"/>
           </a:p>
@@ -2909,7 +2918,7 @@
           <a:p>
             <a:fld id="{461EA795-6455-49B8-A064-26161126D1CE}" type="datetimeFigureOut">
               <a:rPr lang="en-US" smtClean="0"/>
-              <a:t>6/10/2020</a:t>
+              <a:t>9/20/2020</a:t>
             </a:fld>
             <a:endParaRPr lang="en-US"/>
           </a:p>
@@ -3532,20 +3541,1446 @@
           <a:lstStyle/>
           <a:p>
             <a:r>
-              <a:rPr lang="en-US">
+              <a:rPr lang="en-US" dirty="0" err="1">
                 <a:solidFill>
                   <a:srgbClr val="FFFFFF"/>
                 </a:solidFill>
               </a:rPr>
-              <a:t>Array</a:t>
-            </a:r>
-          </a:p>
-        </p:txBody>
-      </p:sp>
+              <a:t>Array,Collection</a:t>
+            </a:r>
+            <a:endParaRPr lang="en-US" dirty="0">
+              <a:solidFill>
+                <a:srgbClr val="FFFFFF"/>
+              </a:solidFill>
+            </a:endParaRPr>
+          </a:p>
+        </p:txBody>
+      </p:sp>
+      <mc:AlternateContent xmlns:mc="http://schemas.openxmlformats.org/markup-compatibility/2006" xmlns:pslz="http://schemas.microsoft.com/office/powerpoint/2016/slidezoom">
+        <mc:Choice Requires="pslz">
+          <p:graphicFrame>
+            <p:nvGraphicFramePr>
+              <p:cNvPr id="5" name="Slide Zoom 4">
+                <a:extLst>
+                  <a:ext uri="{FF2B5EF4-FFF2-40B4-BE49-F238E27FC236}">
+                    <a16:creationId xmlns:a16="http://schemas.microsoft.com/office/drawing/2014/main" id="{5D48EEEB-55BB-4ED6-98B9-B7D795F9D0F7}"/>
+                  </a:ext>
+                </a:extLst>
+              </p:cNvPr>
+              <p:cNvGraphicFramePr>
+                <a:graphicFrameLocks noChangeAspect="1"/>
+              </p:cNvGraphicFramePr>
+              <p:nvPr>
+                <p:extLst>
+                  <p:ext uri="{D42A27DB-BD31-4B8C-83A1-F6EECF244321}">
+                    <p14:modId xmlns:p14="http://schemas.microsoft.com/office/powerpoint/2010/main" val="2671793143"/>
+                  </p:ext>
+                </p:extLst>
+              </p:nvPr>
+            </p:nvGraphicFramePr>
+            <p:xfrm>
+              <a:off x="-3320716" y="1530231"/>
+              <a:ext cx="3048000" cy="1714500"/>
+            </p:xfrm>
+            <a:graphic>
+              <a:graphicData uri="http://schemas.microsoft.com/office/powerpoint/2016/slidezoom">
+                <pslz:sldZm>
+                  <pslz:sldZmObj sldId="258" cId="211276528">
+                    <pslz:zmPr id="{E421AA9A-DC2F-4B56-86F3-9ED436A67052}" returnToParent="0" transitionDur="1000">
+                      <p166:blipFill xmlns:p166="http://schemas.microsoft.com/office/powerpoint/2016/6/main">
+                        <a:blip r:embed="rId3"/>
+                        <a:stretch>
+                          <a:fillRect/>
+                        </a:stretch>
+                      </p166:blipFill>
+                      <p166:spPr xmlns:p166="http://schemas.microsoft.com/office/powerpoint/2016/6/main">
+                        <a:xfrm>
+                          <a:off x="0" y="0"/>
+                          <a:ext cx="3048000" cy="1714500"/>
+                        </a:xfrm>
+                        <a:prstGeom prst="rect">
+                          <a:avLst/>
+                        </a:prstGeom>
+                        <a:ln w="3175">
+                          <a:solidFill>
+                            <a:prstClr val="ltGray"/>
+                          </a:solidFill>
+                        </a:ln>
+                      </p166:spPr>
+                    </pslz:zmPr>
+                  </pslz:sldZmObj>
+                </pslz:sldZm>
+              </a:graphicData>
+            </a:graphic>
+          </p:graphicFrame>
+        </mc:Choice>
+        <mc:Fallback xmlns="">
+          <p:pic>
+            <p:nvPicPr>
+              <p:cNvPr id="5" name="Slide Zoom 4">
+                <a:hlinkClick r:id="rId4" action="ppaction://hlinksldjump"/>
+                <a:extLst>
+                  <a:ext uri="{FF2B5EF4-FFF2-40B4-BE49-F238E27FC236}">
+                    <a16:creationId xmlns:a16="http://schemas.microsoft.com/office/drawing/2014/main" id="{5D48EEEB-55BB-4ED6-98B9-B7D795F9D0F7}"/>
+                  </a:ext>
+                </a:extLst>
+              </p:cNvPr>
+              <p:cNvPicPr>
+                <a:picLocks noGrp="1" noRot="1" noChangeAspect="1" noMove="1" noResize="1" noEditPoints="1" noAdjustHandles="1" noChangeArrowheads="1" noChangeShapeType="1"/>
+              </p:cNvPicPr>
+              <p:nvPr/>
+            </p:nvPicPr>
+            <p:blipFill>
+              <a:blip r:embed="rId5"/>
+              <a:stretch>
+                <a:fillRect/>
+              </a:stretch>
+            </p:blipFill>
+            <p:spPr>
+              <a:xfrm>
+                <a:off x="-3320716" y="1530231"/>
+                <a:ext cx="3048000" cy="1714500"/>
+              </a:xfrm>
+              <a:prstGeom prst="rect">
+                <a:avLst/>
+              </a:prstGeom>
+              <a:ln w="3175">
+                <a:solidFill>
+                  <a:prstClr val="ltGray"/>
+                </a:solidFill>
+              </a:ln>
+            </p:spPr>
+          </p:pic>
+        </mc:Fallback>
+      </mc:AlternateContent>
     </p:spTree>
     <p:extLst>
       <p:ext uri="{BB962C8B-B14F-4D97-AF65-F5344CB8AC3E}">
         <p14:creationId xmlns:p14="http://schemas.microsoft.com/office/powerpoint/2010/main" val="23772281"/>
+      </p:ext>
+    </p:extLst>
+  </p:cSld>
+  <p:clrMapOvr>
+    <a:masterClrMapping/>
+  </p:clrMapOvr>
+</p:sld>
+</file>
+
+<file path=ppt/slides/slide10.xml><?xml version="1.0" encoding="utf-8"?>
+<p:sld xmlns:a="http://schemas.openxmlformats.org/drawingml/2006/main" xmlns:r="http://schemas.openxmlformats.org/officeDocument/2006/relationships" xmlns:p="http://schemas.openxmlformats.org/presentationml/2006/main">
+  <p:cSld>
+    <p:spTree>
+      <p:nvGrpSpPr>
+        <p:cNvPr id="1" name=""/>
+        <p:cNvGrpSpPr/>
+        <p:nvPr/>
+      </p:nvGrpSpPr>
+      <p:grpSpPr>
+        <a:xfrm>
+          <a:off x="0" y="0"/>
+          <a:ext cx="0" cy="0"/>
+          <a:chOff x="0" y="0"/>
+          <a:chExt cx="0" cy="0"/>
+        </a:xfrm>
+      </p:grpSpPr>
+      <p:sp>
+        <p:nvSpPr>
+          <p:cNvPr id="3" name="TextBox 2">
+            <a:extLst>
+              <a:ext uri="{FF2B5EF4-FFF2-40B4-BE49-F238E27FC236}">
+                <a16:creationId xmlns:a16="http://schemas.microsoft.com/office/drawing/2014/main" id="{1262197F-D8C0-4FF6-A0C2-37B9BDE6E390}"/>
+              </a:ext>
+            </a:extLst>
+          </p:cNvPr>
+          <p:cNvSpPr txBox="1"/>
+          <p:nvPr/>
+        </p:nvSpPr>
+        <p:spPr>
+          <a:xfrm>
+            <a:off x="288758" y="190103"/>
+            <a:ext cx="5678905" cy="5909310"/>
+          </a:xfrm>
+          <a:prstGeom prst="rect">
+            <a:avLst/>
+          </a:prstGeom>
+          <a:noFill/>
+        </p:spPr>
+        <p:txBody>
+          <a:bodyPr wrap="square">
+            <a:spAutoFit/>
+          </a:bodyPr>
+          <a:lstStyle/>
+          <a:p>
+            <a:pPr algn="l"/>
+            <a:r>
+              <a:rPr lang="en-US" sz="1800" b="1" dirty="0">
+                <a:solidFill>
+                  <a:srgbClr val="7F0055"/>
+                </a:solidFill>
+                <a:latin typeface="Consolas" panose="020B0609020204030204" pitchFamily="49" charset="0"/>
+              </a:rPr>
+              <a:t>package</a:t>
+            </a:r>
+            <a:r>
+              <a:rPr lang="en-US" sz="1800" b="1" dirty="0">
+                <a:solidFill>
+                  <a:srgbClr val="000000"/>
+                </a:solidFill>
+                <a:latin typeface="Consolas" panose="020B0609020204030204" pitchFamily="49" charset="0"/>
+              </a:rPr>
+              <a:t> collection;</a:t>
+            </a:r>
+          </a:p>
+          <a:p>
+            <a:pPr algn="l"/>
+            <a:endParaRPr lang="en-US" sz="1800" dirty="0">
+              <a:latin typeface="Consolas" panose="020B0609020204030204" pitchFamily="49" charset="0"/>
+            </a:endParaRPr>
+          </a:p>
+          <a:p>
+            <a:pPr algn="l"/>
+            <a:r>
+              <a:rPr lang="en-US" sz="1800" b="1" dirty="0">
+                <a:solidFill>
+                  <a:srgbClr val="7F0055"/>
+                </a:solidFill>
+                <a:latin typeface="Consolas" panose="020B0609020204030204" pitchFamily="49" charset="0"/>
+              </a:rPr>
+              <a:t>import</a:t>
+            </a:r>
+            <a:r>
+              <a:rPr lang="en-US" sz="1800" b="1" dirty="0">
+                <a:solidFill>
+                  <a:srgbClr val="000000"/>
+                </a:solidFill>
+                <a:latin typeface="Consolas" panose="020B0609020204030204" pitchFamily="49" charset="0"/>
+              </a:rPr>
+              <a:t> </a:t>
+            </a:r>
+            <a:r>
+              <a:rPr lang="en-US" sz="1800" b="1" dirty="0" err="1">
+                <a:solidFill>
+                  <a:srgbClr val="000000"/>
+                </a:solidFill>
+                <a:latin typeface="Consolas" panose="020B0609020204030204" pitchFamily="49" charset="0"/>
+              </a:rPr>
+              <a:t>java.util.HashMap</a:t>
+            </a:r>
+            <a:r>
+              <a:rPr lang="en-US" sz="1800" b="1" dirty="0">
+                <a:solidFill>
+                  <a:srgbClr val="000000"/>
+                </a:solidFill>
+                <a:latin typeface="Consolas" panose="020B0609020204030204" pitchFamily="49" charset="0"/>
+              </a:rPr>
+              <a:t>;</a:t>
+            </a:r>
+          </a:p>
+          <a:p>
+            <a:pPr algn="l"/>
+            <a:r>
+              <a:rPr lang="en-US" sz="1800" b="1" dirty="0">
+                <a:solidFill>
+                  <a:srgbClr val="7F0055"/>
+                </a:solidFill>
+                <a:latin typeface="Consolas" panose="020B0609020204030204" pitchFamily="49" charset="0"/>
+              </a:rPr>
+              <a:t>import</a:t>
+            </a:r>
+            <a:r>
+              <a:rPr lang="en-US" sz="1800" b="1" dirty="0">
+                <a:solidFill>
+                  <a:srgbClr val="000000"/>
+                </a:solidFill>
+                <a:latin typeface="Consolas" panose="020B0609020204030204" pitchFamily="49" charset="0"/>
+              </a:rPr>
+              <a:t> </a:t>
+            </a:r>
+            <a:r>
+              <a:rPr lang="en-US" sz="1800" b="1" dirty="0" err="1">
+                <a:solidFill>
+                  <a:srgbClr val="000000"/>
+                </a:solidFill>
+                <a:latin typeface="Consolas" panose="020B0609020204030204" pitchFamily="49" charset="0"/>
+              </a:rPr>
+              <a:t>java.util.Iterator</a:t>
+            </a:r>
+            <a:r>
+              <a:rPr lang="en-US" sz="1800" b="1" dirty="0">
+                <a:solidFill>
+                  <a:srgbClr val="000000"/>
+                </a:solidFill>
+                <a:latin typeface="Consolas" panose="020B0609020204030204" pitchFamily="49" charset="0"/>
+              </a:rPr>
+              <a:t>;</a:t>
+            </a:r>
+          </a:p>
+          <a:p>
+            <a:pPr algn="l"/>
+            <a:r>
+              <a:rPr lang="en-US" sz="1800" b="1" dirty="0">
+                <a:solidFill>
+                  <a:srgbClr val="7F0055"/>
+                </a:solidFill>
+                <a:latin typeface="Consolas" panose="020B0609020204030204" pitchFamily="49" charset="0"/>
+              </a:rPr>
+              <a:t>import</a:t>
+            </a:r>
+            <a:r>
+              <a:rPr lang="en-US" sz="1800" b="1" dirty="0">
+                <a:solidFill>
+                  <a:srgbClr val="000000"/>
+                </a:solidFill>
+                <a:latin typeface="Consolas" panose="020B0609020204030204" pitchFamily="49" charset="0"/>
+              </a:rPr>
+              <a:t> </a:t>
+            </a:r>
+            <a:r>
+              <a:rPr lang="en-US" sz="1800" b="1" dirty="0" err="1">
+                <a:solidFill>
+                  <a:srgbClr val="000000"/>
+                </a:solidFill>
+                <a:latin typeface="Consolas" panose="020B0609020204030204" pitchFamily="49" charset="0"/>
+              </a:rPr>
+              <a:t>java.util.Map</a:t>
+            </a:r>
+            <a:r>
+              <a:rPr lang="en-US" sz="1800" b="1" dirty="0">
+                <a:solidFill>
+                  <a:srgbClr val="000000"/>
+                </a:solidFill>
+                <a:latin typeface="Consolas" panose="020B0609020204030204" pitchFamily="49" charset="0"/>
+              </a:rPr>
+              <a:t>;</a:t>
+            </a:r>
+          </a:p>
+          <a:p>
+            <a:pPr algn="l"/>
+            <a:r>
+              <a:rPr lang="en-US" sz="1800" b="1" dirty="0">
+                <a:solidFill>
+                  <a:srgbClr val="7F0055"/>
+                </a:solidFill>
+                <a:latin typeface="Consolas" panose="020B0609020204030204" pitchFamily="49" charset="0"/>
+              </a:rPr>
+              <a:t>import</a:t>
+            </a:r>
+            <a:r>
+              <a:rPr lang="en-US" sz="1800" b="1" dirty="0">
+                <a:solidFill>
+                  <a:srgbClr val="000000"/>
+                </a:solidFill>
+                <a:latin typeface="Consolas" panose="020B0609020204030204" pitchFamily="49" charset="0"/>
+              </a:rPr>
+              <a:t> </a:t>
+            </a:r>
+            <a:r>
+              <a:rPr lang="en-US" sz="1800" b="1" dirty="0" err="1">
+                <a:solidFill>
+                  <a:srgbClr val="000000"/>
+                </a:solidFill>
+                <a:latin typeface="Consolas" panose="020B0609020204030204" pitchFamily="49" charset="0"/>
+              </a:rPr>
+              <a:t>java.util.Set</a:t>
+            </a:r>
+            <a:r>
+              <a:rPr lang="en-US" sz="1800" b="1" dirty="0">
+                <a:solidFill>
+                  <a:srgbClr val="000000"/>
+                </a:solidFill>
+                <a:latin typeface="Consolas" panose="020B0609020204030204" pitchFamily="49" charset="0"/>
+              </a:rPr>
+              <a:t>;</a:t>
+            </a:r>
+          </a:p>
+          <a:p>
+            <a:pPr algn="l"/>
+            <a:endParaRPr lang="en-US" sz="1800" dirty="0">
+              <a:latin typeface="Consolas" panose="020B0609020204030204" pitchFamily="49" charset="0"/>
+            </a:endParaRPr>
+          </a:p>
+          <a:p>
+            <a:pPr algn="l"/>
+            <a:r>
+              <a:rPr lang="en-US" sz="1800" b="1" dirty="0">
+                <a:solidFill>
+                  <a:srgbClr val="7F0055"/>
+                </a:solidFill>
+                <a:latin typeface="Consolas" panose="020B0609020204030204" pitchFamily="49" charset="0"/>
+              </a:rPr>
+              <a:t>public</a:t>
+            </a:r>
+            <a:r>
+              <a:rPr lang="en-US" sz="1800" b="1" dirty="0">
+                <a:solidFill>
+                  <a:srgbClr val="000000"/>
+                </a:solidFill>
+                <a:latin typeface="Consolas" panose="020B0609020204030204" pitchFamily="49" charset="0"/>
+              </a:rPr>
+              <a:t> </a:t>
+            </a:r>
+            <a:r>
+              <a:rPr lang="en-US" sz="1800" b="1" dirty="0">
+                <a:solidFill>
+                  <a:srgbClr val="7F0055"/>
+                </a:solidFill>
+                <a:latin typeface="Consolas" panose="020B0609020204030204" pitchFamily="49" charset="0"/>
+              </a:rPr>
+              <a:t>class</a:t>
+            </a:r>
+            <a:r>
+              <a:rPr lang="en-US" sz="1800" b="1" dirty="0">
+                <a:solidFill>
+                  <a:srgbClr val="000000"/>
+                </a:solidFill>
+                <a:latin typeface="Consolas" panose="020B0609020204030204" pitchFamily="49" charset="0"/>
+              </a:rPr>
+              <a:t> </a:t>
+            </a:r>
+            <a:r>
+              <a:rPr lang="en-US" sz="1800" b="1" dirty="0" err="1">
+                <a:solidFill>
+                  <a:srgbClr val="000000"/>
+                </a:solidFill>
+                <a:latin typeface="Consolas" panose="020B0609020204030204" pitchFamily="49" charset="0"/>
+              </a:rPr>
+              <a:t>mapexample</a:t>
+            </a:r>
+            <a:r>
+              <a:rPr lang="en-US" sz="1800" b="1" dirty="0">
+                <a:solidFill>
+                  <a:srgbClr val="000000"/>
+                </a:solidFill>
+                <a:latin typeface="Consolas" panose="020B0609020204030204" pitchFamily="49" charset="0"/>
+              </a:rPr>
+              <a:t> {</a:t>
+            </a:r>
+          </a:p>
+          <a:p>
+            <a:pPr algn="l"/>
+            <a:endParaRPr lang="en-US" sz="1800" dirty="0">
+              <a:latin typeface="Consolas" panose="020B0609020204030204" pitchFamily="49" charset="0"/>
+            </a:endParaRPr>
+          </a:p>
+          <a:p>
+            <a:pPr algn="l"/>
+            <a:r>
+              <a:rPr lang="en-US" sz="1800" b="1" dirty="0">
+                <a:solidFill>
+                  <a:srgbClr val="7F0055"/>
+                </a:solidFill>
+                <a:latin typeface="Consolas" panose="020B0609020204030204" pitchFamily="49" charset="0"/>
+              </a:rPr>
+              <a:t>public</a:t>
+            </a:r>
+            <a:r>
+              <a:rPr lang="en-US" sz="1800" b="1" dirty="0">
+                <a:solidFill>
+                  <a:srgbClr val="000000"/>
+                </a:solidFill>
+                <a:latin typeface="Consolas" panose="020B0609020204030204" pitchFamily="49" charset="0"/>
+              </a:rPr>
+              <a:t> </a:t>
+            </a:r>
+            <a:r>
+              <a:rPr lang="en-US" sz="1800" b="1" dirty="0">
+                <a:solidFill>
+                  <a:srgbClr val="7F0055"/>
+                </a:solidFill>
+                <a:latin typeface="Consolas" panose="020B0609020204030204" pitchFamily="49" charset="0"/>
+              </a:rPr>
+              <a:t>static</a:t>
+            </a:r>
+            <a:r>
+              <a:rPr lang="en-US" sz="1800" b="1" dirty="0">
+                <a:solidFill>
+                  <a:srgbClr val="000000"/>
+                </a:solidFill>
+                <a:latin typeface="Consolas" panose="020B0609020204030204" pitchFamily="49" charset="0"/>
+              </a:rPr>
+              <a:t> </a:t>
+            </a:r>
+            <a:r>
+              <a:rPr lang="en-US" sz="1800" b="1" dirty="0">
+                <a:solidFill>
+                  <a:srgbClr val="7F0055"/>
+                </a:solidFill>
+                <a:latin typeface="Consolas" panose="020B0609020204030204" pitchFamily="49" charset="0"/>
+              </a:rPr>
+              <a:t>void</a:t>
+            </a:r>
+            <a:r>
+              <a:rPr lang="en-US" sz="1800" b="1" dirty="0">
+                <a:solidFill>
+                  <a:srgbClr val="000000"/>
+                </a:solidFill>
+                <a:latin typeface="Consolas" panose="020B0609020204030204" pitchFamily="49" charset="0"/>
+              </a:rPr>
+              <a:t> main(String </a:t>
+            </a:r>
+            <a:r>
+              <a:rPr lang="en-US" sz="1800" b="1" dirty="0" err="1">
+                <a:solidFill>
+                  <a:srgbClr val="6A3E3E"/>
+                </a:solidFill>
+                <a:latin typeface="Consolas" panose="020B0609020204030204" pitchFamily="49" charset="0"/>
+              </a:rPr>
+              <a:t>args</a:t>
+            </a:r>
+            <a:r>
+              <a:rPr lang="en-US" sz="1800" b="1" dirty="0">
+                <a:solidFill>
+                  <a:srgbClr val="000000"/>
+                </a:solidFill>
+                <a:latin typeface="Consolas" panose="020B0609020204030204" pitchFamily="49" charset="0"/>
+              </a:rPr>
+              <a:t>[])</a:t>
+            </a:r>
+          </a:p>
+          <a:p>
+            <a:pPr algn="l"/>
+            <a:r>
+              <a:rPr lang="en-US" sz="1800" dirty="0">
+                <a:solidFill>
+                  <a:srgbClr val="000000"/>
+                </a:solidFill>
+                <a:latin typeface="Consolas" panose="020B0609020204030204" pitchFamily="49" charset="0"/>
+              </a:rPr>
+              <a:t>{</a:t>
+            </a:r>
+          </a:p>
+          <a:p>
+            <a:pPr algn="l"/>
+            <a:r>
+              <a:rPr lang="en-US" sz="1800" u="sng" dirty="0">
+                <a:solidFill>
+                  <a:srgbClr val="000000"/>
+                </a:solidFill>
+                <a:latin typeface="Consolas" panose="020B0609020204030204" pitchFamily="49" charset="0"/>
+              </a:rPr>
+              <a:t>HashMap </a:t>
+            </a:r>
+            <a:r>
+              <a:rPr lang="en-US" sz="1800" u="sng" dirty="0">
+                <a:solidFill>
+                  <a:srgbClr val="6A3E3E"/>
+                </a:solidFill>
+                <a:latin typeface="Consolas" panose="020B0609020204030204" pitchFamily="49" charset="0"/>
+              </a:rPr>
+              <a:t>hm</a:t>
+            </a:r>
+            <a:r>
+              <a:rPr lang="en-US" sz="1800" u="sng" dirty="0">
+                <a:solidFill>
+                  <a:srgbClr val="000000"/>
+                </a:solidFill>
+                <a:latin typeface="Consolas" panose="020B0609020204030204" pitchFamily="49" charset="0"/>
+              </a:rPr>
+              <a:t> = </a:t>
+            </a:r>
+            <a:r>
+              <a:rPr lang="en-US" sz="1800" b="1" u="sng" dirty="0">
+                <a:solidFill>
+                  <a:srgbClr val="7F0055"/>
+                </a:solidFill>
+                <a:latin typeface="Consolas" panose="020B0609020204030204" pitchFamily="49" charset="0"/>
+              </a:rPr>
+              <a:t>new</a:t>
+            </a:r>
+            <a:r>
+              <a:rPr lang="en-US" sz="1800" b="1" u="sng" dirty="0">
+                <a:solidFill>
+                  <a:srgbClr val="000000"/>
+                </a:solidFill>
+                <a:latin typeface="Consolas" panose="020B0609020204030204" pitchFamily="49" charset="0"/>
+              </a:rPr>
+              <a:t> HashMap();</a:t>
+            </a:r>
+          </a:p>
+          <a:p>
+            <a:pPr algn="l"/>
+            <a:r>
+              <a:rPr lang="en-US" sz="1800" u="sng" dirty="0" err="1">
+                <a:solidFill>
+                  <a:srgbClr val="6A3E3E"/>
+                </a:solidFill>
+                <a:latin typeface="Consolas" panose="020B0609020204030204" pitchFamily="49" charset="0"/>
+              </a:rPr>
+              <a:t>hm</a:t>
+            </a:r>
+            <a:r>
+              <a:rPr lang="en-US" sz="1800" u="sng" dirty="0" err="1">
+                <a:solidFill>
+                  <a:srgbClr val="000000"/>
+                </a:solidFill>
+                <a:latin typeface="Consolas" panose="020B0609020204030204" pitchFamily="49" charset="0"/>
+              </a:rPr>
+              <a:t>.put</a:t>
+            </a:r>
+            <a:r>
+              <a:rPr lang="en-US" sz="1800" u="sng" dirty="0">
+                <a:solidFill>
+                  <a:srgbClr val="000000"/>
+                </a:solidFill>
+                <a:latin typeface="Consolas" panose="020B0609020204030204" pitchFamily="49" charset="0"/>
+              </a:rPr>
+              <a:t>(1, </a:t>
+            </a:r>
+            <a:r>
+              <a:rPr lang="en-US" sz="1800" u="sng" dirty="0">
+                <a:solidFill>
+                  <a:srgbClr val="2A00FF"/>
+                </a:solidFill>
+                <a:latin typeface="Consolas" panose="020B0609020204030204" pitchFamily="49" charset="0"/>
+              </a:rPr>
+              <a:t>"Rohit"</a:t>
+            </a:r>
+            <a:r>
+              <a:rPr lang="en-US" sz="1800" u="sng" dirty="0">
+                <a:solidFill>
+                  <a:srgbClr val="000000"/>
+                </a:solidFill>
+                <a:latin typeface="Consolas" panose="020B0609020204030204" pitchFamily="49" charset="0"/>
+              </a:rPr>
+              <a:t>);</a:t>
+            </a:r>
+          </a:p>
+          <a:p>
+            <a:pPr algn="l"/>
+            <a:r>
+              <a:rPr lang="en-US" sz="1800" u="sng" dirty="0" err="1">
+                <a:solidFill>
+                  <a:srgbClr val="6A3E3E"/>
+                </a:solidFill>
+                <a:latin typeface="Consolas" panose="020B0609020204030204" pitchFamily="49" charset="0"/>
+              </a:rPr>
+              <a:t>hm</a:t>
+            </a:r>
+            <a:r>
+              <a:rPr lang="en-US" sz="1800" u="sng" dirty="0" err="1">
+                <a:solidFill>
+                  <a:srgbClr val="000000"/>
+                </a:solidFill>
+                <a:latin typeface="Consolas" panose="020B0609020204030204" pitchFamily="49" charset="0"/>
+              </a:rPr>
+              <a:t>.put</a:t>
+            </a:r>
+            <a:r>
+              <a:rPr lang="en-US" sz="1800" u="sng" dirty="0">
+                <a:solidFill>
+                  <a:srgbClr val="000000"/>
+                </a:solidFill>
+                <a:latin typeface="Consolas" panose="020B0609020204030204" pitchFamily="49" charset="0"/>
+              </a:rPr>
+              <a:t>(2, </a:t>
+            </a:r>
+            <a:r>
+              <a:rPr lang="en-US" sz="1800" u="sng" dirty="0">
+                <a:solidFill>
+                  <a:srgbClr val="2A00FF"/>
+                </a:solidFill>
+                <a:latin typeface="Consolas" panose="020B0609020204030204" pitchFamily="49" charset="0"/>
+              </a:rPr>
+              <a:t>"Bhosale"</a:t>
+            </a:r>
+            <a:r>
+              <a:rPr lang="en-US" sz="1800" u="sng" dirty="0">
+                <a:solidFill>
+                  <a:srgbClr val="000000"/>
+                </a:solidFill>
+                <a:latin typeface="Consolas" panose="020B0609020204030204" pitchFamily="49" charset="0"/>
+              </a:rPr>
+              <a:t>);</a:t>
+            </a:r>
+          </a:p>
+          <a:p>
+            <a:pPr algn="l"/>
+            <a:r>
+              <a:rPr lang="en-US" sz="1800" u="sng" dirty="0" err="1">
+                <a:solidFill>
+                  <a:srgbClr val="6A3E3E"/>
+                </a:solidFill>
+                <a:latin typeface="Consolas" panose="020B0609020204030204" pitchFamily="49" charset="0"/>
+              </a:rPr>
+              <a:t>hm</a:t>
+            </a:r>
+            <a:r>
+              <a:rPr lang="en-US" sz="1800" u="sng" dirty="0" err="1">
+                <a:solidFill>
+                  <a:srgbClr val="000000"/>
+                </a:solidFill>
+                <a:latin typeface="Consolas" panose="020B0609020204030204" pitchFamily="49" charset="0"/>
+              </a:rPr>
+              <a:t>.put</a:t>
+            </a:r>
+            <a:r>
+              <a:rPr lang="en-US" sz="1800" u="sng" dirty="0">
+                <a:solidFill>
+                  <a:srgbClr val="000000"/>
+                </a:solidFill>
+                <a:latin typeface="Consolas" panose="020B0609020204030204" pitchFamily="49" charset="0"/>
+              </a:rPr>
+              <a:t>(3, </a:t>
+            </a:r>
+            <a:r>
+              <a:rPr lang="en-US" sz="1800" u="sng" dirty="0">
+                <a:solidFill>
+                  <a:srgbClr val="2A00FF"/>
+                </a:solidFill>
+                <a:latin typeface="Consolas" panose="020B0609020204030204" pitchFamily="49" charset="0"/>
+              </a:rPr>
+              <a:t>"value"</a:t>
+            </a:r>
+            <a:r>
+              <a:rPr lang="en-US" sz="1800" u="sng" dirty="0">
+                <a:solidFill>
+                  <a:srgbClr val="000000"/>
+                </a:solidFill>
+                <a:latin typeface="Consolas" panose="020B0609020204030204" pitchFamily="49" charset="0"/>
+              </a:rPr>
+              <a:t>);</a:t>
+            </a:r>
+          </a:p>
+          <a:p>
+            <a:pPr algn="l"/>
+            <a:r>
+              <a:rPr lang="en-US" sz="1800" dirty="0" err="1">
+                <a:solidFill>
+                  <a:srgbClr val="000000"/>
+                </a:solidFill>
+                <a:latin typeface="Consolas" panose="020B0609020204030204" pitchFamily="49" charset="0"/>
+              </a:rPr>
+              <a:t>System.</a:t>
+            </a:r>
+            <a:r>
+              <a:rPr lang="en-US" sz="1800" b="1" i="1" dirty="0" err="1">
+                <a:solidFill>
+                  <a:srgbClr val="0000C0"/>
+                </a:solidFill>
+                <a:latin typeface="Consolas" panose="020B0609020204030204" pitchFamily="49" charset="0"/>
+              </a:rPr>
+              <a:t>out</a:t>
+            </a:r>
+            <a:r>
+              <a:rPr lang="en-US" sz="1800" b="1" i="1" dirty="0" err="1">
+                <a:solidFill>
+                  <a:srgbClr val="000000"/>
+                </a:solidFill>
+                <a:latin typeface="Consolas" panose="020B0609020204030204" pitchFamily="49" charset="0"/>
+              </a:rPr>
+              <a:t>.println</a:t>
+            </a:r>
+            <a:r>
+              <a:rPr lang="en-US" sz="1800" b="1" i="1" dirty="0">
+                <a:solidFill>
+                  <a:srgbClr val="000000"/>
+                </a:solidFill>
+                <a:latin typeface="Consolas" panose="020B0609020204030204" pitchFamily="49" charset="0"/>
+              </a:rPr>
+              <a:t>(</a:t>
+            </a:r>
+            <a:r>
+              <a:rPr lang="en-US" sz="1800" b="1" i="1" dirty="0">
+                <a:solidFill>
+                  <a:srgbClr val="6A3E3E"/>
+                </a:solidFill>
+                <a:latin typeface="Consolas" panose="020B0609020204030204" pitchFamily="49" charset="0"/>
+              </a:rPr>
+              <a:t>hm</a:t>
+            </a:r>
+            <a:r>
+              <a:rPr lang="en-US" sz="1800" b="1" i="1" dirty="0">
+                <a:solidFill>
+                  <a:srgbClr val="000000"/>
+                </a:solidFill>
+                <a:latin typeface="Consolas" panose="020B0609020204030204" pitchFamily="49" charset="0"/>
+              </a:rPr>
+              <a:t>);</a:t>
+            </a:r>
+          </a:p>
+          <a:p>
+            <a:pPr algn="l"/>
+            <a:r>
+              <a:rPr lang="en-US" sz="1800" dirty="0" err="1">
+                <a:solidFill>
+                  <a:srgbClr val="6A3E3E"/>
+                </a:solidFill>
+                <a:latin typeface="Consolas" panose="020B0609020204030204" pitchFamily="49" charset="0"/>
+              </a:rPr>
+              <a:t>hm</a:t>
+            </a:r>
+            <a:r>
+              <a:rPr lang="en-US" sz="1800" dirty="0" err="1">
+                <a:solidFill>
+                  <a:srgbClr val="000000"/>
+                </a:solidFill>
+                <a:latin typeface="Consolas" panose="020B0609020204030204" pitchFamily="49" charset="0"/>
+              </a:rPr>
+              <a:t>.remove</a:t>
+            </a:r>
+            <a:r>
+              <a:rPr lang="en-US" sz="1800" dirty="0">
+                <a:solidFill>
+                  <a:srgbClr val="000000"/>
+                </a:solidFill>
+                <a:latin typeface="Consolas" panose="020B0609020204030204" pitchFamily="49" charset="0"/>
+              </a:rPr>
+              <a:t>(3);</a:t>
+            </a:r>
+          </a:p>
+          <a:p>
+            <a:pPr algn="l"/>
+            <a:r>
+              <a:rPr lang="en-US" sz="1800" dirty="0" err="1">
+                <a:solidFill>
+                  <a:srgbClr val="000000"/>
+                </a:solidFill>
+                <a:latin typeface="Consolas" panose="020B0609020204030204" pitchFamily="49" charset="0"/>
+              </a:rPr>
+              <a:t>System.</a:t>
+            </a:r>
+            <a:r>
+              <a:rPr lang="en-US" sz="1800" b="1" i="1" dirty="0" err="1">
+                <a:solidFill>
+                  <a:srgbClr val="0000C0"/>
+                </a:solidFill>
+                <a:latin typeface="Consolas" panose="020B0609020204030204" pitchFamily="49" charset="0"/>
+              </a:rPr>
+              <a:t>out</a:t>
+            </a:r>
+            <a:r>
+              <a:rPr lang="en-US" sz="1800" b="1" i="1" dirty="0" err="1">
+                <a:solidFill>
+                  <a:srgbClr val="000000"/>
+                </a:solidFill>
+                <a:latin typeface="Consolas" panose="020B0609020204030204" pitchFamily="49" charset="0"/>
+              </a:rPr>
+              <a:t>.println</a:t>
+            </a:r>
+            <a:r>
+              <a:rPr lang="en-US" sz="1800" b="1" i="1" dirty="0">
+                <a:solidFill>
+                  <a:srgbClr val="000000"/>
+                </a:solidFill>
+                <a:latin typeface="Consolas" panose="020B0609020204030204" pitchFamily="49" charset="0"/>
+              </a:rPr>
+              <a:t>(</a:t>
+            </a:r>
+            <a:r>
+              <a:rPr lang="en-US" sz="1800" b="1" i="1" dirty="0">
+                <a:solidFill>
+                  <a:srgbClr val="6A3E3E"/>
+                </a:solidFill>
+                <a:latin typeface="Consolas" panose="020B0609020204030204" pitchFamily="49" charset="0"/>
+              </a:rPr>
+              <a:t>hm</a:t>
+            </a:r>
+            <a:r>
+              <a:rPr lang="en-US" sz="1800" b="1" i="1" dirty="0">
+                <a:solidFill>
+                  <a:srgbClr val="000000"/>
+                </a:solidFill>
+                <a:latin typeface="Consolas" panose="020B0609020204030204" pitchFamily="49" charset="0"/>
+              </a:rPr>
+              <a:t>);</a:t>
+            </a:r>
+          </a:p>
+          <a:p>
+            <a:pPr algn="l"/>
+            <a:r>
+              <a:rPr lang="nn-NO" sz="1800" dirty="0">
+                <a:solidFill>
+                  <a:srgbClr val="000000"/>
+                </a:solidFill>
+                <a:latin typeface="Consolas" panose="020B0609020204030204" pitchFamily="49" charset="0"/>
+              </a:rPr>
+              <a:t>System.</a:t>
+            </a:r>
+            <a:r>
+              <a:rPr lang="nn-NO" sz="1800" b="1" i="1" dirty="0">
+                <a:solidFill>
+                  <a:srgbClr val="0000C0"/>
+                </a:solidFill>
+                <a:latin typeface="Consolas" panose="020B0609020204030204" pitchFamily="49" charset="0"/>
+              </a:rPr>
+              <a:t>out</a:t>
+            </a:r>
+            <a:r>
+              <a:rPr lang="nn-NO" sz="1800" b="1" i="1" dirty="0">
+                <a:solidFill>
+                  <a:srgbClr val="000000"/>
+                </a:solidFill>
+                <a:latin typeface="Consolas" panose="020B0609020204030204" pitchFamily="49" charset="0"/>
+              </a:rPr>
+              <a:t>.println(</a:t>
+            </a:r>
+            <a:r>
+              <a:rPr lang="nn-NO" sz="1800" b="1" i="1" dirty="0">
+                <a:solidFill>
+                  <a:srgbClr val="6A3E3E"/>
+                </a:solidFill>
+                <a:latin typeface="Consolas" panose="020B0609020204030204" pitchFamily="49" charset="0"/>
+              </a:rPr>
+              <a:t>hm</a:t>
+            </a:r>
+            <a:r>
+              <a:rPr lang="nn-NO" sz="1800" b="1" i="1" dirty="0">
+                <a:solidFill>
+                  <a:srgbClr val="000000"/>
+                </a:solidFill>
+                <a:latin typeface="Consolas" panose="020B0609020204030204" pitchFamily="49" charset="0"/>
+              </a:rPr>
+              <a:t>.isEmpty());</a:t>
+            </a:r>
+          </a:p>
+          <a:p>
+            <a:pPr algn="l"/>
+            <a:r>
+              <a:rPr lang="en-US" sz="1800" u="sng" dirty="0">
+                <a:solidFill>
+                  <a:srgbClr val="000000"/>
+                </a:solidFill>
+                <a:latin typeface="Consolas" panose="020B0609020204030204" pitchFamily="49" charset="0"/>
+              </a:rPr>
+              <a:t>Set </a:t>
+            </a:r>
+            <a:r>
+              <a:rPr lang="en-US" sz="1800" u="sng" dirty="0" err="1">
+                <a:solidFill>
+                  <a:srgbClr val="6A3E3E"/>
+                </a:solidFill>
+                <a:latin typeface="Consolas" panose="020B0609020204030204" pitchFamily="49" charset="0"/>
+              </a:rPr>
+              <a:t>sn</a:t>
+            </a:r>
+            <a:r>
+              <a:rPr lang="en-US" sz="1800" u="sng" dirty="0">
+                <a:solidFill>
+                  <a:srgbClr val="000000"/>
+                </a:solidFill>
+                <a:latin typeface="Consolas" panose="020B0609020204030204" pitchFamily="49" charset="0"/>
+              </a:rPr>
+              <a:t> = </a:t>
+            </a:r>
+            <a:r>
+              <a:rPr lang="en-US" sz="1800" u="sng" dirty="0" err="1">
+                <a:solidFill>
+                  <a:srgbClr val="6A3E3E"/>
+                </a:solidFill>
+                <a:latin typeface="Consolas" panose="020B0609020204030204" pitchFamily="49" charset="0"/>
+              </a:rPr>
+              <a:t>hm</a:t>
+            </a:r>
+            <a:r>
+              <a:rPr lang="en-US" sz="1800" u="sng" dirty="0" err="1">
+                <a:solidFill>
+                  <a:srgbClr val="000000"/>
+                </a:solidFill>
+                <a:latin typeface="Consolas" panose="020B0609020204030204" pitchFamily="49" charset="0"/>
+              </a:rPr>
+              <a:t>.entrySet</a:t>
+            </a:r>
+            <a:r>
+              <a:rPr lang="en-US" sz="1800" u="sng" dirty="0">
+                <a:solidFill>
+                  <a:srgbClr val="000000"/>
+                </a:solidFill>
+                <a:latin typeface="Consolas" panose="020B0609020204030204" pitchFamily="49" charset="0"/>
+              </a:rPr>
+              <a:t>();</a:t>
+            </a:r>
+          </a:p>
+          <a:p>
+            <a:pPr algn="l"/>
+            <a:r>
+              <a:rPr lang="en-US" sz="1800" u="sng" dirty="0">
+                <a:solidFill>
+                  <a:srgbClr val="000000"/>
+                </a:solidFill>
+                <a:latin typeface="Consolas" panose="020B0609020204030204" pitchFamily="49" charset="0"/>
+              </a:rPr>
+              <a:t>Iterator </a:t>
+            </a:r>
+            <a:r>
+              <a:rPr lang="en-US" sz="1800" u="sng" dirty="0">
+                <a:solidFill>
+                  <a:srgbClr val="6A3E3E"/>
+                </a:solidFill>
+                <a:latin typeface="Consolas" panose="020B0609020204030204" pitchFamily="49" charset="0"/>
+              </a:rPr>
+              <a:t>it</a:t>
+            </a:r>
+            <a:r>
+              <a:rPr lang="en-US" sz="1800" u="sng" dirty="0">
+                <a:solidFill>
+                  <a:srgbClr val="000000"/>
+                </a:solidFill>
+                <a:latin typeface="Consolas" panose="020B0609020204030204" pitchFamily="49" charset="0"/>
+              </a:rPr>
+              <a:t>=</a:t>
+            </a:r>
+            <a:r>
+              <a:rPr lang="en-US" sz="1800" u="sng" dirty="0" err="1">
+                <a:solidFill>
+                  <a:srgbClr val="6A3E3E"/>
+                </a:solidFill>
+                <a:latin typeface="Consolas" panose="020B0609020204030204" pitchFamily="49" charset="0"/>
+              </a:rPr>
+              <a:t>sn</a:t>
+            </a:r>
+            <a:r>
+              <a:rPr lang="en-US" sz="1800" u="sng" dirty="0" err="1">
+                <a:solidFill>
+                  <a:srgbClr val="000000"/>
+                </a:solidFill>
+                <a:latin typeface="Consolas" panose="020B0609020204030204" pitchFamily="49" charset="0"/>
+              </a:rPr>
+              <a:t>.iterator</a:t>
+            </a:r>
+            <a:r>
+              <a:rPr lang="en-US" sz="1800" u="sng" dirty="0">
+                <a:solidFill>
+                  <a:srgbClr val="000000"/>
+                </a:solidFill>
+                <a:latin typeface="Consolas" panose="020B0609020204030204" pitchFamily="49" charset="0"/>
+              </a:rPr>
+              <a:t>();</a:t>
+            </a:r>
+          </a:p>
+        </p:txBody>
+      </p:sp>
+      <p:sp>
+        <p:nvSpPr>
+          <p:cNvPr id="5" name="TextBox 4">
+            <a:extLst>
+              <a:ext uri="{FF2B5EF4-FFF2-40B4-BE49-F238E27FC236}">
+                <a16:creationId xmlns:a16="http://schemas.microsoft.com/office/drawing/2014/main" id="{82D379B8-57EC-4D33-BF9D-AB6D7AA1B122}"/>
+              </a:ext>
+            </a:extLst>
+          </p:cNvPr>
+          <p:cNvSpPr txBox="1"/>
+          <p:nvPr/>
+        </p:nvSpPr>
+        <p:spPr>
+          <a:xfrm>
+            <a:off x="5967663" y="190103"/>
+            <a:ext cx="6096000" cy="2031325"/>
+          </a:xfrm>
+          <a:prstGeom prst="rect">
+            <a:avLst/>
+          </a:prstGeom>
+          <a:noFill/>
+        </p:spPr>
+        <p:txBody>
+          <a:bodyPr wrap="square">
+            <a:spAutoFit/>
+          </a:bodyPr>
+          <a:lstStyle/>
+          <a:p>
+            <a:pPr algn="l"/>
+            <a:r>
+              <a:rPr lang="en-US" sz="1800" b="1" dirty="0">
+                <a:solidFill>
+                  <a:srgbClr val="7F0055"/>
+                </a:solidFill>
+                <a:latin typeface="Consolas" panose="020B0609020204030204" pitchFamily="49" charset="0"/>
+              </a:rPr>
+              <a:t>while</a:t>
+            </a:r>
+            <a:r>
+              <a:rPr lang="en-US" sz="1800" b="1" dirty="0">
+                <a:solidFill>
+                  <a:srgbClr val="000000"/>
+                </a:solidFill>
+                <a:latin typeface="Consolas" panose="020B0609020204030204" pitchFamily="49" charset="0"/>
+              </a:rPr>
+              <a:t>(</a:t>
+            </a:r>
+            <a:r>
+              <a:rPr lang="en-US" sz="1800" b="1" dirty="0" err="1">
+                <a:solidFill>
+                  <a:srgbClr val="6A3E3E"/>
+                </a:solidFill>
+                <a:latin typeface="Consolas" panose="020B0609020204030204" pitchFamily="49" charset="0"/>
+              </a:rPr>
+              <a:t>it</a:t>
+            </a:r>
+            <a:r>
+              <a:rPr lang="en-US" sz="1800" b="1" dirty="0" err="1">
+                <a:solidFill>
+                  <a:srgbClr val="000000"/>
+                </a:solidFill>
+                <a:latin typeface="Consolas" panose="020B0609020204030204" pitchFamily="49" charset="0"/>
+              </a:rPr>
+              <a:t>.hasNext</a:t>
+            </a:r>
+            <a:r>
+              <a:rPr lang="en-US" sz="1800" b="1" dirty="0">
+                <a:solidFill>
+                  <a:srgbClr val="000000"/>
+                </a:solidFill>
+                <a:latin typeface="Consolas" panose="020B0609020204030204" pitchFamily="49" charset="0"/>
+              </a:rPr>
+              <a:t>())</a:t>
+            </a:r>
+          </a:p>
+          <a:p>
+            <a:pPr algn="l"/>
+            <a:r>
+              <a:rPr lang="en-US" sz="1800" dirty="0">
+                <a:solidFill>
+                  <a:srgbClr val="000000"/>
+                </a:solidFill>
+                <a:latin typeface="Consolas" panose="020B0609020204030204" pitchFamily="49" charset="0"/>
+              </a:rPr>
+              <a:t>{</a:t>
+            </a:r>
+          </a:p>
+          <a:p>
+            <a:pPr algn="l"/>
+            <a:r>
+              <a:rPr lang="en-US" sz="1800" dirty="0" err="1">
+                <a:solidFill>
+                  <a:srgbClr val="000000"/>
+                </a:solidFill>
+                <a:latin typeface="Consolas" panose="020B0609020204030204" pitchFamily="49" charset="0"/>
+              </a:rPr>
+              <a:t>System.</a:t>
+            </a:r>
+            <a:r>
+              <a:rPr lang="en-US" sz="1800" b="1" i="1" dirty="0" err="1">
+                <a:solidFill>
+                  <a:srgbClr val="0000C0"/>
+                </a:solidFill>
+                <a:latin typeface="Consolas" panose="020B0609020204030204" pitchFamily="49" charset="0"/>
+              </a:rPr>
+              <a:t>out</a:t>
+            </a:r>
+            <a:r>
+              <a:rPr lang="en-US" sz="1800" b="1" i="1" dirty="0" err="1">
+                <a:solidFill>
+                  <a:srgbClr val="000000"/>
+                </a:solidFill>
+                <a:latin typeface="Consolas" panose="020B0609020204030204" pitchFamily="49" charset="0"/>
+              </a:rPr>
+              <a:t>.println</a:t>
+            </a:r>
+            <a:r>
+              <a:rPr lang="en-US" sz="1800" b="1" i="1" dirty="0">
+                <a:solidFill>
+                  <a:srgbClr val="000000"/>
+                </a:solidFill>
+                <a:latin typeface="Consolas" panose="020B0609020204030204" pitchFamily="49" charset="0"/>
+              </a:rPr>
+              <a:t>(</a:t>
+            </a:r>
+            <a:r>
+              <a:rPr lang="en-US" sz="1800" b="1" i="1" dirty="0" err="1">
+                <a:solidFill>
+                  <a:srgbClr val="6A3E3E"/>
+                </a:solidFill>
+                <a:latin typeface="Consolas" panose="020B0609020204030204" pitchFamily="49" charset="0"/>
+              </a:rPr>
+              <a:t>it</a:t>
+            </a:r>
+            <a:r>
+              <a:rPr lang="en-US" sz="1800" b="1" i="1" dirty="0" err="1">
+                <a:solidFill>
+                  <a:srgbClr val="000000"/>
+                </a:solidFill>
+                <a:latin typeface="Consolas" panose="020B0609020204030204" pitchFamily="49" charset="0"/>
+              </a:rPr>
+              <a:t>.hasNext</a:t>
+            </a:r>
+            <a:r>
+              <a:rPr lang="en-US" sz="1800" b="1" i="1" dirty="0">
+                <a:solidFill>
+                  <a:srgbClr val="000000"/>
+                </a:solidFill>
+                <a:latin typeface="Consolas" panose="020B0609020204030204" pitchFamily="49" charset="0"/>
+              </a:rPr>
+              <a:t>());</a:t>
+            </a:r>
+          </a:p>
+          <a:p>
+            <a:pPr algn="l"/>
+            <a:r>
+              <a:rPr lang="en-US" sz="1800" u="sng" dirty="0" err="1">
+                <a:solidFill>
+                  <a:srgbClr val="000000"/>
+                </a:solidFill>
+                <a:latin typeface="Consolas" panose="020B0609020204030204" pitchFamily="49" charset="0"/>
+              </a:rPr>
+              <a:t>Map.Entry</a:t>
+            </a:r>
+            <a:r>
+              <a:rPr lang="en-US" sz="1800" u="sng" dirty="0">
+                <a:solidFill>
+                  <a:srgbClr val="000000"/>
+                </a:solidFill>
+                <a:latin typeface="Consolas" panose="020B0609020204030204" pitchFamily="49" charset="0"/>
+              </a:rPr>
+              <a:t> </a:t>
+            </a:r>
+            <a:r>
+              <a:rPr lang="en-US" sz="1800" u="sng" dirty="0" err="1">
+                <a:solidFill>
+                  <a:srgbClr val="6A3E3E"/>
+                </a:solidFill>
+                <a:latin typeface="Consolas" panose="020B0609020204030204" pitchFamily="49" charset="0"/>
+              </a:rPr>
+              <a:t>mp</a:t>
+            </a:r>
+            <a:r>
+              <a:rPr lang="en-US" sz="1800" u="sng" dirty="0">
+                <a:solidFill>
+                  <a:srgbClr val="000000"/>
+                </a:solidFill>
+                <a:latin typeface="Consolas" panose="020B0609020204030204" pitchFamily="49" charset="0"/>
+              </a:rPr>
+              <a:t> =(</a:t>
+            </a:r>
+            <a:r>
+              <a:rPr lang="en-US" sz="1800" u="sng" dirty="0" err="1">
+                <a:solidFill>
+                  <a:srgbClr val="000000"/>
+                </a:solidFill>
+                <a:latin typeface="Consolas" panose="020B0609020204030204" pitchFamily="49" charset="0"/>
+              </a:rPr>
+              <a:t>Map.Entry</a:t>
+            </a:r>
+            <a:r>
+              <a:rPr lang="en-US" sz="1800" u="sng" dirty="0">
+                <a:solidFill>
+                  <a:srgbClr val="000000"/>
+                </a:solidFill>
+                <a:latin typeface="Consolas" panose="020B0609020204030204" pitchFamily="49" charset="0"/>
+              </a:rPr>
+              <a:t>)</a:t>
+            </a:r>
+            <a:r>
+              <a:rPr lang="en-US" sz="1800" u="sng" dirty="0" err="1">
+                <a:solidFill>
+                  <a:srgbClr val="6A3E3E"/>
+                </a:solidFill>
+                <a:latin typeface="Consolas" panose="020B0609020204030204" pitchFamily="49" charset="0"/>
+              </a:rPr>
+              <a:t>it</a:t>
+            </a:r>
+            <a:r>
+              <a:rPr lang="en-US" sz="1800" u="sng" dirty="0" err="1">
+                <a:solidFill>
+                  <a:srgbClr val="000000"/>
+                </a:solidFill>
+                <a:latin typeface="Consolas" panose="020B0609020204030204" pitchFamily="49" charset="0"/>
+              </a:rPr>
+              <a:t>.next</a:t>
+            </a:r>
+            <a:r>
+              <a:rPr lang="en-US" sz="1800" u="sng" dirty="0">
+                <a:solidFill>
+                  <a:srgbClr val="000000"/>
+                </a:solidFill>
+                <a:latin typeface="Consolas" panose="020B0609020204030204" pitchFamily="49" charset="0"/>
+              </a:rPr>
+              <a:t>();</a:t>
+            </a:r>
+          </a:p>
+          <a:p>
+            <a:pPr algn="l"/>
+            <a:r>
+              <a:rPr lang="en-US" sz="1800" dirty="0" err="1">
+                <a:solidFill>
+                  <a:srgbClr val="000000"/>
+                </a:solidFill>
+                <a:latin typeface="Consolas" panose="020B0609020204030204" pitchFamily="49" charset="0"/>
+              </a:rPr>
+              <a:t>System.</a:t>
+            </a:r>
+            <a:r>
+              <a:rPr lang="en-US" sz="1800" b="1" i="1" dirty="0" err="1">
+                <a:solidFill>
+                  <a:srgbClr val="0000C0"/>
+                </a:solidFill>
+                <a:latin typeface="Consolas" panose="020B0609020204030204" pitchFamily="49" charset="0"/>
+              </a:rPr>
+              <a:t>out</a:t>
+            </a:r>
+            <a:r>
+              <a:rPr lang="en-US" sz="1800" b="1" i="1" dirty="0" err="1">
+                <a:solidFill>
+                  <a:srgbClr val="000000"/>
+                </a:solidFill>
+                <a:latin typeface="Consolas" panose="020B0609020204030204" pitchFamily="49" charset="0"/>
+              </a:rPr>
+              <a:t>.println</a:t>
+            </a:r>
+            <a:r>
+              <a:rPr lang="en-US" sz="1800" b="1" i="1" dirty="0">
+                <a:solidFill>
+                  <a:srgbClr val="000000"/>
+                </a:solidFill>
+                <a:latin typeface="Consolas" panose="020B0609020204030204" pitchFamily="49" charset="0"/>
+              </a:rPr>
+              <a:t>(</a:t>
+            </a:r>
+            <a:r>
+              <a:rPr lang="en-US" sz="1800" b="1" i="1" dirty="0" err="1">
+                <a:solidFill>
+                  <a:srgbClr val="6A3E3E"/>
+                </a:solidFill>
+                <a:latin typeface="Consolas" panose="020B0609020204030204" pitchFamily="49" charset="0"/>
+              </a:rPr>
+              <a:t>mp</a:t>
+            </a:r>
+            <a:r>
+              <a:rPr lang="en-US" sz="1800" b="1" i="1" dirty="0" err="1">
+                <a:solidFill>
+                  <a:srgbClr val="000000"/>
+                </a:solidFill>
+                <a:latin typeface="Consolas" panose="020B0609020204030204" pitchFamily="49" charset="0"/>
+              </a:rPr>
+              <a:t>.getKey</a:t>
+            </a:r>
+            <a:r>
+              <a:rPr lang="en-US" sz="1800" b="1" i="1" dirty="0">
+                <a:solidFill>
+                  <a:srgbClr val="000000"/>
+                </a:solidFill>
+                <a:latin typeface="Consolas" panose="020B0609020204030204" pitchFamily="49" charset="0"/>
+              </a:rPr>
+              <a:t>());</a:t>
+            </a:r>
+          </a:p>
+          <a:p>
+            <a:pPr algn="l"/>
+            <a:r>
+              <a:rPr lang="en-US" sz="1800" dirty="0" err="1">
+                <a:solidFill>
+                  <a:srgbClr val="000000"/>
+                </a:solidFill>
+                <a:latin typeface="Consolas" panose="020B0609020204030204" pitchFamily="49" charset="0"/>
+              </a:rPr>
+              <a:t>System.</a:t>
+            </a:r>
+            <a:r>
+              <a:rPr lang="en-US" sz="1800" b="1" i="1" dirty="0" err="1">
+                <a:solidFill>
+                  <a:srgbClr val="0000C0"/>
+                </a:solidFill>
+                <a:latin typeface="Consolas" panose="020B0609020204030204" pitchFamily="49" charset="0"/>
+              </a:rPr>
+              <a:t>out</a:t>
+            </a:r>
+            <a:r>
+              <a:rPr lang="en-US" sz="1800" b="1" i="1" dirty="0" err="1">
+                <a:solidFill>
+                  <a:srgbClr val="000000"/>
+                </a:solidFill>
+                <a:latin typeface="Consolas" panose="020B0609020204030204" pitchFamily="49" charset="0"/>
+              </a:rPr>
+              <a:t>.println</a:t>
+            </a:r>
+            <a:r>
+              <a:rPr lang="en-US" sz="1800" b="1" i="1" dirty="0">
+                <a:solidFill>
+                  <a:srgbClr val="000000"/>
+                </a:solidFill>
+                <a:latin typeface="Consolas" panose="020B0609020204030204" pitchFamily="49" charset="0"/>
+              </a:rPr>
+              <a:t>(</a:t>
+            </a:r>
+            <a:r>
+              <a:rPr lang="en-US" sz="1800" b="1" i="1" dirty="0" err="1">
+                <a:solidFill>
+                  <a:srgbClr val="6A3E3E"/>
+                </a:solidFill>
+                <a:latin typeface="Consolas" panose="020B0609020204030204" pitchFamily="49" charset="0"/>
+              </a:rPr>
+              <a:t>mp</a:t>
+            </a:r>
+            <a:r>
+              <a:rPr lang="en-US" sz="1800" b="1" i="1" dirty="0" err="1">
+                <a:solidFill>
+                  <a:srgbClr val="000000"/>
+                </a:solidFill>
+                <a:latin typeface="Consolas" panose="020B0609020204030204" pitchFamily="49" charset="0"/>
+              </a:rPr>
+              <a:t>.getValue</a:t>
+            </a:r>
+            <a:r>
+              <a:rPr lang="en-US" sz="1800" b="1" i="1" dirty="0">
+                <a:solidFill>
+                  <a:srgbClr val="000000"/>
+                </a:solidFill>
+                <a:latin typeface="Consolas" panose="020B0609020204030204" pitchFamily="49" charset="0"/>
+              </a:rPr>
+              <a:t>());</a:t>
+            </a:r>
+          </a:p>
+          <a:p>
+            <a:pPr algn="l"/>
+            <a:r>
+              <a:rPr lang="en-US" dirty="0">
+                <a:solidFill>
+                  <a:srgbClr val="000000"/>
+                </a:solidFill>
+                <a:latin typeface="Consolas" panose="020B0609020204030204" pitchFamily="49" charset="0"/>
+              </a:rPr>
+              <a:t>}</a:t>
+            </a:r>
+            <a:r>
+              <a:rPr lang="en-US" sz="1800" dirty="0">
+                <a:solidFill>
+                  <a:srgbClr val="000000"/>
+                </a:solidFill>
+                <a:latin typeface="Consolas" panose="020B0609020204030204" pitchFamily="49" charset="0"/>
+              </a:rPr>
+              <a:t>}}</a:t>
+            </a:r>
+            <a:endParaRPr lang="en-US" dirty="0"/>
+          </a:p>
+        </p:txBody>
+      </p:sp>
+      <p:sp>
+        <p:nvSpPr>
+          <p:cNvPr id="7" name="TextBox 6">
+            <a:extLst>
+              <a:ext uri="{FF2B5EF4-FFF2-40B4-BE49-F238E27FC236}">
+                <a16:creationId xmlns:a16="http://schemas.microsoft.com/office/drawing/2014/main" id="{A4A8ABD1-7CD6-4888-8AB7-E9032B14A8D6}"/>
+              </a:ext>
+            </a:extLst>
+          </p:cNvPr>
+          <p:cNvSpPr txBox="1"/>
+          <p:nvPr/>
+        </p:nvSpPr>
+        <p:spPr>
+          <a:xfrm>
+            <a:off x="7154777" y="4066492"/>
+            <a:ext cx="2213812" cy="707886"/>
+          </a:xfrm>
+          <a:prstGeom prst="rect">
+            <a:avLst/>
+          </a:prstGeom>
+          <a:noFill/>
+        </p:spPr>
+        <p:txBody>
+          <a:bodyPr wrap="square">
+            <a:spAutoFit/>
+          </a:bodyPr>
+          <a:lstStyle/>
+          <a:p>
+            <a:r>
+              <a:rPr lang="en-US" sz="4000" b="1" dirty="0"/>
+              <a:t>HashMap</a:t>
+            </a:r>
+          </a:p>
+        </p:txBody>
+      </p:sp>
+    </p:spTree>
+    <p:extLst>
+      <p:ext uri="{BB962C8B-B14F-4D97-AF65-F5344CB8AC3E}">
+        <p14:creationId xmlns:p14="http://schemas.microsoft.com/office/powerpoint/2010/main" val="29736945"/>
       </p:ext>
     </p:extLst>
   </p:cSld>
@@ -5303,6 +6738,2172 @@
     <p:extLst>
       <p:ext uri="{BB962C8B-B14F-4D97-AF65-F5344CB8AC3E}">
         <p14:creationId xmlns:p14="http://schemas.microsoft.com/office/powerpoint/2010/main" val="1657555343"/>
+      </p:ext>
+    </p:extLst>
+  </p:cSld>
+  <p:clrMapOvr>
+    <a:masterClrMapping/>
+  </p:clrMapOvr>
+</p:sld>
+</file>
+
+<file path=ppt/slides/slide7.xml><?xml version="1.0" encoding="utf-8"?>
+<p:sld xmlns:a="http://schemas.openxmlformats.org/drawingml/2006/main" xmlns:r="http://schemas.openxmlformats.org/officeDocument/2006/relationships" xmlns:p="http://schemas.openxmlformats.org/presentationml/2006/main">
+  <p:cSld>
+    <p:spTree>
+      <p:nvGrpSpPr>
+        <p:cNvPr id="1" name=""/>
+        <p:cNvGrpSpPr/>
+        <p:nvPr/>
+      </p:nvGrpSpPr>
+      <p:grpSpPr>
+        <a:xfrm>
+          <a:off x="0" y="0"/>
+          <a:ext cx="0" cy="0"/>
+          <a:chOff x="0" y="0"/>
+          <a:chExt cx="0" cy="0"/>
+        </a:xfrm>
+      </p:grpSpPr>
+      <p:sp>
+        <p:nvSpPr>
+          <p:cNvPr id="3" name="TextBox 2">
+            <a:extLst>
+              <a:ext uri="{FF2B5EF4-FFF2-40B4-BE49-F238E27FC236}">
+                <a16:creationId xmlns:a16="http://schemas.microsoft.com/office/drawing/2014/main" id="{079036F1-9A36-4073-98C2-BF4C1555F5B0}"/>
+              </a:ext>
+            </a:extLst>
+          </p:cNvPr>
+          <p:cNvSpPr txBox="1"/>
+          <p:nvPr/>
+        </p:nvSpPr>
+        <p:spPr>
+          <a:xfrm>
+            <a:off x="509666" y="374754"/>
+            <a:ext cx="3218510" cy="584775"/>
+          </a:xfrm>
+          <a:prstGeom prst="rect">
+            <a:avLst/>
+          </a:prstGeom>
+          <a:noFill/>
+        </p:spPr>
+        <p:txBody>
+          <a:bodyPr wrap="none" rtlCol="0">
+            <a:spAutoFit/>
+          </a:bodyPr>
+          <a:lstStyle/>
+          <a:p>
+            <a:r>
+              <a:rPr lang="en-US" sz="3200" b="1" dirty="0"/>
+              <a:t>Collection in JAVA</a:t>
+            </a:r>
+          </a:p>
+        </p:txBody>
+      </p:sp>
+      <p:sp>
+        <p:nvSpPr>
+          <p:cNvPr id="5" name="TextBox 4">
+            <a:extLst>
+              <a:ext uri="{FF2B5EF4-FFF2-40B4-BE49-F238E27FC236}">
+                <a16:creationId xmlns:a16="http://schemas.microsoft.com/office/drawing/2014/main" id="{02CB44B6-F718-492A-9BFF-8E6DB8876694}"/>
+              </a:ext>
+            </a:extLst>
+          </p:cNvPr>
+          <p:cNvSpPr txBox="1"/>
+          <p:nvPr/>
+        </p:nvSpPr>
+        <p:spPr>
+          <a:xfrm>
+            <a:off x="994610" y="1000496"/>
+            <a:ext cx="6096000" cy="646331"/>
+          </a:xfrm>
+          <a:prstGeom prst="rect">
+            <a:avLst/>
+          </a:prstGeom>
+          <a:noFill/>
+        </p:spPr>
+        <p:txBody>
+          <a:bodyPr wrap="square">
+            <a:spAutoFit/>
+          </a:bodyPr>
+          <a:lstStyle/>
+          <a:p>
+            <a:r>
+              <a:rPr lang="en-US" b="1" dirty="0"/>
+              <a:t>Disadvantage of array is fixed in size</a:t>
+            </a:r>
+          </a:p>
+          <a:p>
+            <a:r>
+              <a:rPr lang="en-US" b="1" dirty="0"/>
+              <a:t>Here we can increase and decrease the size </a:t>
+            </a:r>
+          </a:p>
+        </p:txBody>
+      </p:sp>
+      <p:sp>
+        <p:nvSpPr>
+          <p:cNvPr id="7" name="TextBox 6">
+            <a:extLst>
+              <a:ext uri="{FF2B5EF4-FFF2-40B4-BE49-F238E27FC236}">
+                <a16:creationId xmlns:a16="http://schemas.microsoft.com/office/drawing/2014/main" id="{46FD814F-E0C4-459F-AF11-FC94DBC53E6F}"/>
+              </a:ext>
+            </a:extLst>
+          </p:cNvPr>
+          <p:cNvSpPr txBox="1"/>
+          <p:nvPr/>
+        </p:nvSpPr>
+        <p:spPr>
+          <a:xfrm>
+            <a:off x="680176" y="2197586"/>
+            <a:ext cx="6096000" cy="923330"/>
+          </a:xfrm>
+          <a:prstGeom prst="rect">
+            <a:avLst/>
+          </a:prstGeom>
+          <a:noFill/>
+        </p:spPr>
+        <p:txBody>
+          <a:bodyPr wrap="square">
+            <a:spAutoFit/>
+          </a:bodyPr>
+          <a:lstStyle/>
+          <a:p>
+            <a:pPr marL="285750" indent="-285750">
+              <a:buFont typeface="Arial" panose="020B0604020202020204" pitchFamily="34" charset="0"/>
+              <a:buChar char="•"/>
+            </a:pPr>
+            <a:r>
+              <a:rPr lang="en-US" dirty="0"/>
+              <a:t>List</a:t>
+            </a:r>
+          </a:p>
+          <a:p>
+            <a:pPr marL="285750" indent="-285750">
+              <a:buFont typeface="Arial" panose="020B0604020202020204" pitchFamily="34" charset="0"/>
+              <a:buChar char="•"/>
+            </a:pPr>
+            <a:r>
+              <a:rPr lang="en-US" dirty="0"/>
+              <a:t>Set</a:t>
+            </a:r>
+          </a:p>
+          <a:p>
+            <a:pPr marL="285750" indent="-285750">
+              <a:buFont typeface="Arial" panose="020B0604020202020204" pitchFamily="34" charset="0"/>
+              <a:buChar char="•"/>
+            </a:pPr>
+            <a:r>
+              <a:rPr lang="en-US" dirty="0"/>
+              <a:t>Map</a:t>
+            </a:r>
+          </a:p>
+        </p:txBody>
+      </p:sp>
+    </p:spTree>
+    <p:extLst>
+      <p:ext uri="{BB962C8B-B14F-4D97-AF65-F5344CB8AC3E}">
+        <p14:creationId xmlns:p14="http://schemas.microsoft.com/office/powerpoint/2010/main" val="363876791"/>
+      </p:ext>
+    </p:extLst>
+  </p:cSld>
+  <p:clrMapOvr>
+    <a:masterClrMapping/>
+  </p:clrMapOvr>
+</p:sld>
+</file>
+
+<file path=ppt/slides/slide8.xml><?xml version="1.0" encoding="utf-8"?>
+<p:sld xmlns:a="http://schemas.openxmlformats.org/drawingml/2006/main" xmlns:r="http://schemas.openxmlformats.org/officeDocument/2006/relationships" xmlns:p="http://schemas.openxmlformats.org/presentationml/2006/main">
+  <p:cSld>
+    <p:spTree>
+      <p:nvGrpSpPr>
+        <p:cNvPr id="1" name=""/>
+        <p:cNvGrpSpPr/>
+        <p:nvPr/>
+      </p:nvGrpSpPr>
+      <p:grpSpPr>
+        <a:xfrm>
+          <a:off x="0" y="0"/>
+          <a:ext cx="0" cy="0"/>
+          <a:chOff x="0" y="0"/>
+          <a:chExt cx="0" cy="0"/>
+        </a:xfrm>
+      </p:grpSpPr>
+      <p:sp>
+        <p:nvSpPr>
+          <p:cNvPr id="3" name="TextBox 2">
+            <a:extLst>
+              <a:ext uri="{FF2B5EF4-FFF2-40B4-BE49-F238E27FC236}">
+                <a16:creationId xmlns:a16="http://schemas.microsoft.com/office/drawing/2014/main" id="{9F817F0A-68D3-490A-B2C0-BE6A1F631438}"/>
+              </a:ext>
+            </a:extLst>
+          </p:cNvPr>
+          <p:cNvSpPr txBox="1"/>
+          <p:nvPr/>
+        </p:nvSpPr>
+        <p:spPr>
+          <a:xfrm>
+            <a:off x="8261683" y="697650"/>
+            <a:ext cx="2213812" cy="707886"/>
+          </a:xfrm>
+          <a:prstGeom prst="rect">
+            <a:avLst/>
+          </a:prstGeom>
+          <a:noFill/>
+        </p:spPr>
+        <p:txBody>
+          <a:bodyPr wrap="square">
+            <a:spAutoFit/>
+          </a:bodyPr>
+          <a:lstStyle/>
+          <a:p>
+            <a:r>
+              <a:rPr lang="en-US" sz="4000" b="1" dirty="0" err="1"/>
+              <a:t>ArrayList</a:t>
+            </a:r>
+            <a:endParaRPr lang="en-US" sz="4000" b="1" dirty="0"/>
+          </a:p>
+        </p:txBody>
+      </p:sp>
+      <p:sp>
+        <p:nvSpPr>
+          <p:cNvPr id="5" name="TextBox 4">
+            <a:extLst>
+              <a:ext uri="{FF2B5EF4-FFF2-40B4-BE49-F238E27FC236}">
+                <a16:creationId xmlns:a16="http://schemas.microsoft.com/office/drawing/2014/main" id="{758C9897-434F-43EA-9BDB-81E5399CA2F1}"/>
+              </a:ext>
+            </a:extLst>
+          </p:cNvPr>
+          <p:cNvSpPr txBox="1"/>
+          <p:nvPr/>
+        </p:nvSpPr>
+        <p:spPr>
+          <a:xfrm>
+            <a:off x="352926" y="197346"/>
+            <a:ext cx="6416842" cy="6463308"/>
+          </a:xfrm>
+          <a:prstGeom prst="rect">
+            <a:avLst/>
+          </a:prstGeom>
+          <a:noFill/>
+        </p:spPr>
+        <p:txBody>
+          <a:bodyPr wrap="square">
+            <a:spAutoFit/>
+          </a:bodyPr>
+          <a:lstStyle/>
+          <a:p>
+            <a:pPr algn="l"/>
+            <a:r>
+              <a:rPr lang="en-US" sz="1800" b="1" dirty="0">
+                <a:solidFill>
+                  <a:srgbClr val="7F0055"/>
+                </a:solidFill>
+                <a:latin typeface="Consolas" panose="020B0609020204030204" pitchFamily="49" charset="0"/>
+              </a:rPr>
+              <a:t>package</a:t>
+            </a:r>
+            <a:r>
+              <a:rPr lang="en-US" sz="1800" b="1" dirty="0">
+                <a:solidFill>
+                  <a:srgbClr val="000000"/>
+                </a:solidFill>
+                <a:latin typeface="Consolas" panose="020B0609020204030204" pitchFamily="49" charset="0"/>
+              </a:rPr>
+              <a:t> collection;</a:t>
+            </a:r>
+            <a:endParaRPr lang="en-US" sz="1800" dirty="0">
+              <a:latin typeface="Consolas" panose="020B0609020204030204" pitchFamily="49" charset="0"/>
+            </a:endParaRPr>
+          </a:p>
+          <a:p>
+            <a:pPr algn="l"/>
+            <a:r>
+              <a:rPr lang="en-US" sz="1800" b="1" dirty="0">
+                <a:solidFill>
+                  <a:srgbClr val="7F0055"/>
+                </a:solidFill>
+                <a:latin typeface="Consolas" panose="020B0609020204030204" pitchFamily="49" charset="0"/>
+              </a:rPr>
+              <a:t>import</a:t>
+            </a:r>
+            <a:r>
+              <a:rPr lang="en-US" sz="1800" b="1" dirty="0">
+                <a:solidFill>
+                  <a:srgbClr val="000000"/>
+                </a:solidFill>
+                <a:latin typeface="Consolas" panose="020B0609020204030204" pitchFamily="49" charset="0"/>
+              </a:rPr>
+              <a:t> </a:t>
+            </a:r>
+            <a:r>
+              <a:rPr lang="en-US" sz="1800" b="1" dirty="0" err="1">
+                <a:solidFill>
+                  <a:srgbClr val="000000"/>
+                </a:solidFill>
+                <a:latin typeface="Consolas" panose="020B0609020204030204" pitchFamily="49" charset="0"/>
+              </a:rPr>
+              <a:t>java.util.ArrayList</a:t>
+            </a:r>
+            <a:r>
+              <a:rPr lang="en-US" sz="1800" b="1" dirty="0">
+                <a:solidFill>
+                  <a:srgbClr val="000000"/>
+                </a:solidFill>
+                <a:latin typeface="Consolas" panose="020B0609020204030204" pitchFamily="49" charset="0"/>
+              </a:rPr>
+              <a:t>;</a:t>
+            </a:r>
+          </a:p>
+          <a:p>
+            <a:pPr algn="l"/>
+            <a:endParaRPr lang="en-US" sz="1800" dirty="0">
+              <a:latin typeface="Consolas" panose="020B0609020204030204" pitchFamily="49" charset="0"/>
+            </a:endParaRPr>
+          </a:p>
+          <a:p>
+            <a:pPr algn="l"/>
+            <a:r>
+              <a:rPr lang="en-US" sz="1800" b="1" dirty="0">
+                <a:solidFill>
+                  <a:srgbClr val="7F0055"/>
+                </a:solidFill>
+                <a:latin typeface="Consolas" panose="020B0609020204030204" pitchFamily="49" charset="0"/>
+              </a:rPr>
+              <a:t>public</a:t>
+            </a:r>
+            <a:r>
+              <a:rPr lang="en-US" sz="1800" b="1" dirty="0">
+                <a:solidFill>
+                  <a:srgbClr val="000000"/>
+                </a:solidFill>
+                <a:latin typeface="Consolas" panose="020B0609020204030204" pitchFamily="49" charset="0"/>
+              </a:rPr>
+              <a:t> </a:t>
+            </a:r>
+            <a:r>
+              <a:rPr lang="en-US" sz="1800" b="1" dirty="0">
+                <a:solidFill>
+                  <a:srgbClr val="7F0055"/>
+                </a:solidFill>
+                <a:latin typeface="Consolas" panose="020B0609020204030204" pitchFamily="49" charset="0"/>
+              </a:rPr>
+              <a:t>class</a:t>
+            </a:r>
+            <a:r>
+              <a:rPr lang="en-US" sz="1800" b="1" dirty="0">
+                <a:solidFill>
+                  <a:srgbClr val="000000"/>
+                </a:solidFill>
+                <a:latin typeface="Consolas" panose="020B0609020204030204" pitchFamily="49" charset="0"/>
+              </a:rPr>
+              <a:t> </a:t>
+            </a:r>
+            <a:r>
+              <a:rPr lang="en-US" sz="1800" b="1" dirty="0" err="1">
+                <a:solidFill>
+                  <a:srgbClr val="000000"/>
+                </a:solidFill>
+                <a:latin typeface="Consolas" panose="020B0609020204030204" pitchFamily="49" charset="0"/>
+              </a:rPr>
+              <a:t>arraylistexample</a:t>
+            </a:r>
+            <a:r>
+              <a:rPr lang="en-US" sz="1800" b="1" dirty="0">
+                <a:solidFill>
+                  <a:srgbClr val="000000"/>
+                </a:solidFill>
+                <a:latin typeface="Consolas" panose="020B0609020204030204" pitchFamily="49" charset="0"/>
+              </a:rPr>
+              <a:t> {</a:t>
+            </a:r>
+            <a:endParaRPr lang="en-US" sz="1800" dirty="0">
+              <a:latin typeface="Consolas" panose="020B0609020204030204" pitchFamily="49" charset="0"/>
+            </a:endParaRPr>
+          </a:p>
+          <a:p>
+            <a:pPr algn="l"/>
+            <a:r>
+              <a:rPr lang="en-US" sz="1800" b="1" dirty="0">
+                <a:solidFill>
+                  <a:srgbClr val="7F0055"/>
+                </a:solidFill>
+                <a:latin typeface="Consolas" panose="020B0609020204030204" pitchFamily="49" charset="0"/>
+              </a:rPr>
+              <a:t>public</a:t>
+            </a:r>
+            <a:r>
+              <a:rPr lang="en-US" sz="1800" b="1" dirty="0">
+                <a:solidFill>
+                  <a:srgbClr val="000000"/>
+                </a:solidFill>
+                <a:latin typeface="Consolas" panose="020B0609020204030204" pitchFamily="49" charset="0"/>
+              </a:rPr>
+              <a:t> </a:t>
+            </a:r>
+            <a:r>
+              <a:rPr lang="en-US" sz="1800" b="1" dirty="0">
+                <a:solidFill>
+                  <a:srgbClr val="7F0055"/>
+                </a:solidFill>
+                <a:latin typeface="Consolas" panose="020B0609020204030204" pitchFamily="49" charset="0"/>
+              </a:rPr>
+              <a:t>static</a:t>
+            </a:r>
+            <a:r>
+              <a:rPr lang="en-US" sz="1800" b="1" dirty="0">
+                <a:solidFill>
+                  <a:srgbClr val="000000"/>
+                </a:solidFill>
+                <a:latin typeface="Consolas" panose="020B0609020204030204" pitchFamily="49" charset="0"/>
+              </a:rPr>
+              <a:t> </a:t>
+            </a:r>
+            <a:r>
+              <a:rPr lang="en-US" sz="1800" b="1" dirty="0">
+                <a:solidFill>
+                  <a:srgbClr val="7F0055"/>
+                </a:solidFill>
+                <a:latin typeface="Consolas" panose="020B0609020204030204" pitchFamily="49" charset="0"/>
+              </a:rPr>
+              <a:t>void</a:t>
+            </a:r>
+            <a:r>
+              <a:rPr lang="en-US" sz="1800" b="1" dirty="0">
+                <a:solidFill>
+                  <a:srgbClr val="000000"/>
+                </a:solidFill>
+                <a:latin typeface="Consolas" panose="020B0609020204030204" pitchFamily="49" charset="0"/>
+              </a:rPr>
+              <a:t> main(String[] </a:t>
+            </a:r>
+            <a:r>
+              <a:rPr lang="en-US" sz="1800" b="1" dirty="0" err="1">
+                <a:solidFill>
+                  <a:srgbClr val="6A3E3E"/>
+                </a:solidFill>
+                <a:latin typeface="Consolas" panose="020B0609020204030204" pitchFamily="49" charset="0"/>
+              </a:rPr>
+              <a:t>args</a:t>
+            </a:r>
+            <a:r>
+              <a:rPr lang="en-US" sz="1800" b="1" dirty="0">
+                <a:solidFill>
+                  <a:srgbClr val="000000"/>
+                </a:solidFill>
+                <a:latin typeface="Consolas" panose="020B0609020204030204" pitchFamily="49" charset="0"/>
+              </a:rPr>
+              <a:t>) {</a:t>
+            </a:r>
+          </a:p>
+          <a:p>
+            <a:pPr algn="l"/>
+            <a:endParaRPr lang="en-US" sz="1800" dirty="0">
+              <a:solidFill>
+                <a:srgbClr val="3F7F5F"/>
+              </a:solidFill>
+              <a:latin typeface="Consolas" panose="020B0609020204030204" pitchFamily="49" charset="0"/>
+            </a:endParaRPr>
+          </a:p>
+          <a:p>
+            <a:pPr algn="l"/>
+            <a:r>
+              <a:rPr lang="en-US" sz="1800" dirty="0" err="1">
+                <a:solidFill>
+                  <a:srgbClr val="000000"/>
+                </a:solidFill>
+                <a:latin typeface="Consolas" panose="020B0609020204030204" pitchFamily="49" charset="0"/>
+              </a:rPr>
+              <a:t>ArrayList</a:t>
+            </a:r>
+            <a:r>
+              <a:rPr lang="en-US" sz="1800" dirty="0">
+                <a:solidFill>
+                  <a:srgbClr val="000000"/>
+                </a:solidFill>
+                <a:latin typeface="Consolas" panose="020B0609020204030204" pitchFamily="49" charset="0"/>
+              </a:rPr>
+              <a:t>&lt;Integer&gt; </a:t>
+            </a:r>
+            <a:r>
+              <a:rPr lang="en-US" sz="1800" dirty="0">
+                <a:solidFill>
+                  <a:srgbClr val="6A3E3E"/>
+                </a:solidFill>
+                <a:latin typeface="Consolas" panose="020B0609020204030204" pitchFamily="49" charset="0"/>
+              </a:rPr>
+              <a:t>a</a:t>
+            </a:r>
+            <a:r>
+              <a:rPr lang="en-US" sz="1800" dirty="0">
+                <a:solidFill>
+                  <a:srgbClr val="000000"/>
+                </a:solidFill>
+                <a:latin typeface="Consolas" panose="020B0609020204030204" pitchFamily="49" charset="0"/>
+              </a:rPr>
+              <a:t> = </a:t>
+            </a:r>
+            <a:r>
+              <a:rPr lang="en-US" sz="1800" b="1" dirty="0">
+                <a:solidFill>
+                  <a:srgbClr val="7F0055"/>
+                </a:solidFill>
+                <a:latin typeface="Consolas" panose="020B0609020204030204" pitchFamily="49" charset="0"/>
+              </a:rPr>
+              <a:t>new</a:t>
+            </a:r>
+            <a:r>
+              <a:rPr lang="en-US" sz="1800" b="1" dirty="0">
+                <a:solidFill>
+                  <a:srgbClr val="000000"/>
+                </a:solidFill>
+                <a:latin typeface="Consolas" panose="020B0609020204030204" pitchFamily="49" charset="0"/>
+              </a:rPr>
+              <a:t> </a:t>
+            </a:r>
+            <a:r>
+              <a:rPr lang="en-US" sz="1800" b="1" dirty="0" err="1">
+                <a:solidFill>
+                  <a:srgbClr val="000000"/>
+                </a:solidFill>
+                <a:latin typeface="Consolas" panose="020B0609020204030204" pitchFamily="49" charset="0"/>
+              </a:rPr>
+              <a:t>ArrayList</a:t>
+            </a:r>
+            <a:r>
+              <a:rPr lang="en-US" sz="1800" b="1" dirty="0">
+                <a:solidFill>
+                  <a:srgbClr val="000000"/>
+                </a:solidFill>
+                <a:latin typeface="Consolas" panose="020B0609020204030204" pitchFamily="49" charset="0"/>
+              </a:rPr>
+              <a:t>&lt;Integer&gt;();</a:t>
+            </a:r>
+          </a:p>
+          <a:p>
+            <a:pPr algn="l"/>
+            <a:endParaRPr lang="en-US" sz="1800" dirty="0">
+              <a:latin typeface="Consolas" panose="020B0609020204030204" pitchFamily="49" charset="0"/>
+            </a:endParaRPr>
+          </a:p>
+          <a:p>
+            <a:pPr algn="l"/>
+            <a:r>
+              <a:rPr lang="en-US" sz="1800" dirty="0" err="1">
+                <a:solidFill>
+                  <a:srgbClr val="6A3E3E"/>
+                </a:solidFill>
+                <a:latin typeface="Consolas" panose="020B0609020204030204" pitchFamily="49" charset="0"/>
+              </a:rPr>
+              <a:t>a</a:t>
+            </a:r>
+            <a:r>
+              <a:rPr lang="en-US" sz="1800" dirty="0" err="1">
+                <a:solidFill>
+                  <a:srgbClr val="000000"/>
+                </a:solidFill>
+                <a:latin typeface="Consolas" panose="020B0609020204030204" pitchFamily="49" charset="0"/>
+              </a:rPr>
+              <a:t>.add</a:t>
+            </a:r>
+            <a:r>
+              <a:rPr lang="en-US" sz="1800" dirty="0">
+                <a:solidFill>
+                  <a:srgbClr val="000000"/>
+                </a:solidFill>
+                <a:latin typeface="Consolas" panose="020B0609020204030204" pitchFamily="49" charset="0"/>
+              </a:rPr>
+              <a:t>(1);</a:t>
+            </a:r>
+          </a:p>
+          <a:p>
+            <a:pPr algn="l"/>
+            <a:r>
+              <a:rPr lang="en-US" sz="1800" dirty="0" err="1">
+                <a:solidFill>
+                  <a:srgbClr val="6A3E3E"/>
+                </a:solidFill>
+                <a:latin typeface="Consolas" panose="020B0609020204030204" pitchFamily="49" charset="0"/>
+              </a:rPr>
+              <a:t>a</a:t>
+            </a:r>
+            <a:r>
+              <a:rPr lang="en-US" sz="1800" dirty="0" err="1">
+                <a:solidFill>
+                  <a:srgbClr val="000000"/>
+                </a:solidFill>
+                <a:latin typeface="Consolas" panose="020B0609020204030204" pitchFamily="49" charset="0"/>
+              </a:rPr>
+              <a:t>.add</a:t>
+            </a:r>
+            <a:r>
+              <a:rPr lang="en-US" sz="1800" dirty="0">
+                <a:solidFill>
+                  <a:srgbClr val="000000"/>
+                </a:solidFill>
+                <a:latin typeface="Consolas" panose="020B0609020204030204" pitchFamily="49" charset="0"/>
+              </a:rPr>
+              <a:t>(2);</a:t>
+            </a:r>
+          </a:p>
+          <a:p>
+            <a:pPr algn="l"/>
+            <a:r>
+              <a:rPr lang="en-US" sz="1800" dirty="0" err="1">
+                <a:solidFill>
+                  <a:srgbClr val="6A3E3E"/>
+                </a:solidFill>
+                <a:latin typeface="Consolas" panose="020B0609020204030204" pitchFamily="49" charset="0"/>
+              </a:rPr>
+              <a:t>a</a:t>
+            </a:r>
+            <a:r>
+              <a:rPr lang="en-US" sz="1800" dirty="0" err="1">
+                <a:solidFill>
+                  <a:srgbClr val="000000"/>
+                </a:solidFill>
+                <a:latin typeface="Consolas" panose="020B0609020204030204" pitchFamily="49" charset="0"/>
+              </a:rPr>
+              <a:t>.add</a:t>
+            </a:r>
+            <a:r>
+              <a:rPr lang="en-US" sz="1800" dirty="0">
+                <a:solidFill>
+                  <a:srgbClr val="000000"/>
+                </a:solidFill>
+                <a:latin typeface="Consolas" panose="020B0609020204030204" pitchFamily="49" charset="0"/>
+              </a:rPr>
+              <a:t>(2, 3);</a:t>
+            </a:r>
+          </a:p>
+          <a:p>
+            <a:pPr algn="l"/>
+            <a:r>
+              <a:rPr lang="en-US" sz="1800" dirty="0" err="1">
+                <a:solidFill>
+                  <a:srgbClr val="000000"/>
+                </a:solidFill>
+                <a:latin typeface="Consolas" panose="020B0609020204030204" pitchFamily="49" charset="0"/>
+              </a:rPr>
+              <a:t>System.</a:t>
+            </a:r>
+            <a:r>
+              <a:rPr lang="en-US" sz="1800" b="1" i="1" dirty="0" err="1">
+                <a:solidFill>
+                  <a:srgbClr val="0000C0"/>
+                </a:solidFill>
+                <a:latin typeface="Consolas" panose="020B0609020204030204" pitchFamily="49" charset="0"/>
+              </a:rPr>
+              <a:t>out</a:t>
+            </a:r>
+            <a:r>
+              <a:rPr lang="en-US" sz="1800" b="1" i="1" dirty="0" err="1">
+                <a:solidFill>
+                  <a:srgbClr val="000000"/>
+                </a:solidFill>
+                <a:latin typeface="Consolas" panose="020B0609020204030204" pitchFamily="49" charset="0"/>
+              </a:rPr>
+              <a:t>.print</a:t>
+            </a:r>
+            <a:r>
+              <a:rPr lang="en-US" sz="1800" b="1" i="1" dirty="0">
+                <a:solidFill>
+                  <a:srgbClr val="000000"/>
+                </a:solidFill>
+                <a:latin typeface="Consolas" panose="020B0609020204030204" pitchFamily="49" charset="0"/>
+              </a:rPr>
+              <a:t>(</a:t>
+            </a:r>
+            <a:r>
+              <a:rPr lang="en-US" sz="1800" b="1" i="1" dirty="0">
+                <a:solidFill>
+                  <a:srgbClr val="6A3E3E"/>
+                </a:solidFill>
+                <a:latin typeface="Consolas" panose="020B0609020204030204" pitchFamily="49" charset="0"/>
+              </a:rPr>
+              <a:t>a</a:t>
+            </a:r>
+            <a:r>
+              <a:rPr lang="en-US" sz="1800" b="1" i="1" dirty="0">
+                <a:solidFill>
+                  <a:srgbClr val="000000"/>
+                </a:solidFill>
+                <a:latin typeface="Consolas" panose="020B0609020204030204" pitchFamily="49" charset="0"/>
+              </a:rPr>
+              <a:t>);</a:t>
+            </a:r>
+          </a:p>
+          <a:p>
+            <a:pPr algn="l"/>
+            <a:r>
+              <a:rPr lang="en-US" sz="1800" dirty="0" err="1">
+                <a:solidFill>
+                  <a:srgbClr val="000000"/>
+                </a:solidFill>
+                <a:latin typeface="Consolas" panose="020B0609020204030204" pitchFamily="49" charset="0"/>
+              </a:rPr>
+              <a:t>System.</a:t>
+            </a:r>
+            <a:r>
+              <a:rPr lang="en-US" sz="1800" b="1" i="1" dirty="0" err="1">
+                <a:solidFill>
+                  <a:srgbClr val="0000C0"/>
+                </a:solidFill>
+                <a:latin typeface="Consolas" panose="020B0609020204030204" pitchFamily="49" charset="0"/>
+              </a:rPr>
+              <a:t>out</a:t>
+            </a:r>
+            <a:r>
+              <a:rPr lang="en-US" sz="1800" b="1" i="1" dirty="0" err="1">
+                <a:solidFill>
+                  <a:srgbClr val="000000"/>
+                </a:solidFill>
+                <a:latin typeface="Consolas" panose="020B0609020204030204" pitchFamily="49" charset="0"/>
+              </a:rPr>
+              <a:t>.print</a:t>
+            </a:r>
+            <a:r>
+              <a:rPr lang="en-US" sz="1800" b="1" i="1" dirty="0">
+                <a:solidFill>
+                  <a:srgbClr val="000000"/>
+                </a:solidFill>
+                <a:latin typeface="Consolas" panose="020B0609020204030204" pitchFamily="49" charset="0"/>
+              </a:rPr>
+              <a:t>(</a:t>
+            </a:r>
+            <a:r>
+              <a:rPr lang="en-US" sz="1800" b="1" i="1" dirty="0" err="1">
+                <a:solidFill>
+                  <a:srgbClr val="6A3E3E"/>
+                </a:solidFill>
+                <a:latin typeface="Consolas" panose="020B0609020204030204" pitchFamily="49" charset="0"/>
+              </a:rPr>
+              <a:t>a</a:t>
+            </a:r>
+            <a:r>
+              <a:rPr lang="en-US" sz="1800" b="1" i="1" dirty="0" err="1">
+                <a:solidFill>
+                  <a:srgbClr val="000000"/>
+                </a:solidFill>
+                <a:latin typeface="Consolas" panose="020B0609020204030204" pitchFamily="49" charset="0"/>
+              </a:rPr>
+              <a:t>.get</a:t>
+            </a:r>
+            <a:r>
+              <a:rPr lang="en-US" sz="1800" b="1" i="1" dirty="0">
+                <a:solidFill>
+                  <a:srgbClr val="000000"/>
+                </a:solidFill>
+                <a:latin typeface="Consolas" panose="020B0609020204030204" pitchFamily="49" charset="0"/>
+              </a:rPr>
+              <a:t>(1));</a:t>
+            </a:r>
+          </a:p>
+          <a:p>
+            <a:pPr algn="l"/>
+            <a:r>
+              <a:rPr lang="en-US" sz="1800" dirty="0" err="1">
+                <a:solidFill>
+                  <a:srgbClr val="000000"/>
+                </a:solidFill>
+                <a:latin typeface="Consolas" panose="020B0609020204030204" pitchFamily="49" charset="0"/>
+              </a:rPr>
+              <a:t>System.</a:t>
+            </a:r>
+            <a:r>
+              <a:rPr lang="en-US" sz="1800" b="1" i="1" dirty="0" err="1">
+                <a:solidFill>
+                  <a:srgbClr val="0000C0"/>
+                </a:solidFill>
+                <a:latin typeface="Consolas" panose="020B0609020204030204" pitchFamily="49" charset="0"/>
+              </a:rPr>
+              <a:t>out</a:t>
+            </a:r>
+            <a:r>
+              <a:rPr lang="en-US" sz="1800" b="1" i="1" dirty="0" err="1">
+                <a:solidFill>
+                  <a:srgbClr val="000000"/>
+                </a:solidFill>
+                <a:latin typeface="Consolas" panose="020B0609020204030204" pitchFamily="49" charset="0"/>
+              </a:rPr>
+              <a:t>.println</a:t>
+            </a:r>
+            <a:r>
+              <a:rPr lang="en-US" sz="1800" b="1" i="1" dirty="0">
+                <a:solidFill>
+                  <a:srgbClr val="000000"/>
+                </a:solidFill>
+                <a:latin typeface="Consolas" panose="020B0609020204030204" pitchFamily="49" charset="0"/>
+              </a:rPr>
+              <a:t>(</a:t>
+            </a:r>
+            <a:r>
+              <a:rPr lang="en-US" sz="1800" b="1" i="1" dirty="0" err="1">
+                <a:solidFill>
+                  <a:srgbClr val="6A3E3E"/>
+                </a:solidFill>
+                <a:latin typeface="Consolas" panose="020B0609020204030204" pitchFamily="49" charset="0"/>
+              </a:rPr>
+              <a:t>a</a:t>
+            </a:r>
+            <a:r>
+              <a:rPr lang="en-US" sz="1800" b="1" i="1" dirty="0" err="1">
+                <a:solidFill>
+                  <a:srgbClr val="000000"/>
+                </a:solidFill>
+                <a:latin typeface="Consolas" panose="020B0609020204030204" pitchFamily="49" charset="0"/>
+              </a:rPr>
+              <a:t>.indexOf</a:t>
+            </a:r>
+            <a:r>
+              <a:rPr lang="en-US" sz="1800" b="1" i="1" dirty="0">
+                <a:solidFill>
+                  <a:srgbClr val="000000"/>
+                </a:solidFill>
+                <a:latin typeface="Consolas" panose="020B0609020204030204" pitchFamily="49" charset="0"/>
+              </a:rPr>
+              <a:t>(2));</a:t>
+            </a:r>
+          </a:p>
+          <a:p>
+            <a:pPr algn="l"/>
+            <a:r>
+              <a:rPr lang="en-US" sz="1800" dirty="0" err="1">
+                <a:solidFill>
+                  <a:srgbClr val="000000"/>
+                </a:solidFill>
+                <a:latin typeface="Consolas" panose="020B0609020204030204" pitchFamily="49" charset="0"/>
+              </a:rPr>
+              <a:t>System.</a:t>
+            </a:r>
+            <a:r>
+              <a:rPr lang="en-US" sz="1800" b="1" i="1" dirty="0" err="1">
+                <a:solidFill>
+                  <a:srgbClr val="0000C0"/>
+                </a:solidFill>
+                <a:latin typeface="Consolas" panose="020B0609020204030204" pitchFamily="49" charset="0"/>
+              </a:rPr>
+              <a:t>out</a:t>
+            </a:r>
+            <a:r>
+              <a:rPr lang="en-US" sz="1800" b="1" i="1" dirty="0" err="1">
+                <a:solidFill>
+                  <a:srgbClr val="000000"/>
+                </a:solidFill>
+                <a:latin typeface="Consolas" panose="020B0609020204030204" pitchFamily="49" charset="0"/>
+              </a:rPr>
+              <a:t>.println</a:t>
+            </a:r>
+            <a:r>
+              <a:rPr lang="en-US" sz="1800" b="1" i="1" dirty="0">
+                <a:solidFill>
+                  <a:srgbClr val="000000"/>
+                </a:solidFill>
+                <a:latin typeface="Consolas" panose="020B0609020204030204" pitchFamily="49" charset="0"/>
+              </a:rPr>
+              <a:t>(</a:t>
+            </a:r>
+            <a:r>
+              <a:rPr lang="en-US" sz="1800" b="1" i="1" dirty="0" err="1">
+                <a:solidFill>
+                  <a:srgbClr val="6A3E3E"/>
+                </a:solidFill>
+                <a:latin typeface="Consolas" panose="020B0609020204030204" pitchFamily="49" charset="0"/>
+              </a:rPr>
+              <a:t>a</a:t>
+            </a:r>
+            <a:r>
+              <a:rPr lang="en-US" sz="1800" b="1" i="1" dirty="0" err="1">
+                <a:solidFill>
+                  <a:srgbClr val="000000"/>
+                </a:solidFill>
+                <a:latin typeface="Consolas" panose="020B0609020204030204" pitchFamily="49" charset="0"/>
+              </a:rPr>
+              <a:t>.contains</a:t>
+            </a:r>
+            <a:r>
+              <a:rPr lang="en-US" sz="1800" b="1" i="1" dirty="0">
+                <a:solidFill>
+                  <a:srgbClr val="000000"/>
+                </a:solidFill>
+                <a:latin typeface="Consolas" panose="020B0609020204030204" pitchFamily="49" charset="0"/>
+              </a:rPr>
+              <a:t>(2));</a:t>
+            </a:r>
+          </a:p>
+          <a:p>
+            <a:pPr algn="l"/>
+            <a:endParaRPr lang="en-US" sz="1800" dirty="0">
+              <a:latin typeface="Consolas" panose="020B0609020204030204" pitchFamily="49" charset="0"/>
+            </a:endParaRPr>
+          </a:p>
+          <a:p>
+            <a:pPr algn="l"/>
+            <a:r>
+              <a:rPr lang="en-US" sz="1800" dirty="0" err="1">
+                <a:solidFill>
+                  <a:srgbClr val="000000"/>
+                </a:solidFill>
+                <a:latin typeface="Consolas" panose="020B0609020204030204" pitchFamily="49" charset="0"/>
+              </a:rPr>
+              <a:t>ArrayList</a:t>
+            </a:r>
+            <a:r>
+              <a:rPr lang="en-US" sz="1800" dirty="0">
+                <a:solidFill>
+                  <a:srgbClr val="000000"/>
+                </a:solidFill>
+                <a:latin typeface="Consolas" panose="020B0609020204030204" pitchFamily="49" charset="0"/>
+              </a:rPr>
+              <a:t>&lt;String&gt; </a:t>
+            </a:r>
+            <a:r>
+              <a:rPr lang="en-US" sz="1800" dirty="0">
+                <a:solidFill>
+                  <a:srgbClr val="6A3E3E"/>
+                </a:solidFill>
+                <a:latin typeface="Consolas" panose="020B0609020204030204" pitchFamily="49" charset="0"/>
+              </a:rPr>
+              <a:t>b</a:t>
+            </a:r>
+            <a:r>
+              <a:rPr lang="en-US" sz="1800" dirty="0">
+                <a:solidFill>
+                  <a:srgbClr val="000000"/>
+                </a:solidFill>
+                <a:latin typeface="Consolas" panose="020B0609020204030204" pitchFamily="49" charset="0"/>
+              </a:rPr>
+              <a:t> = </a:t>
+            </a:r>
+            <a:r>
+              <a:rPr lang="en-US" sz="1800" b="1" dirty="0">
+                <a:solidFill>
+                  <a:srgbClr val="7F0055"/>
+                </a:solidFill>
+                <a:latin typeface="Consolas" panose="020B0609020204030204" pitchFamily="49" charset="0"/>
+              </a:rPr>
+              <a:t>new</a:t>
+            </a:r>
+            <a:r>
+              <a:rPr lang="en-US" sz="1800" b="1" dirty="0">
+                <a:solidFill>
+                  <a:srgbClr val="000000"/>
+                </a:solidFill>
+                <a:latin typeface="Consolas" panose="020B0609020204030204" pitchFamily="49" charset="0"/>
+              </a:rPr>
+              <a:t> </a:t>
+            </a:r>
+            <a:r>
+              <a:rPr lang="en-US" sz="1800" b="1" dirty="0" err="1">
+                <a:solidFill>
+                  <a:srgbClr val="000000"/>
+                </a:solidFill>
+                <a:latin typeface="Consolas" panose="020B0609020204030204" pitchFamily="49" charset="0"/>
+              </a:rPr>
+              <a:t>ArrayList</a:t>
+            </a:r>
+            <a:r>
+              <a:rPr lang="en-US" sz="1800" b="1" dirty="0">
+                <a:solidFill>
+                  <a:srgbClr val="000000"/>
+                </a:solidFill>
+                <a:latin typeface="Consolas" panose="020B0609020204030204" pitchFamily="49" charset="0"/>
+              </a:rPr>
+              <a:t>&lt;String&gt;();</a:t>
+            </a:r>
+          </a:p>
+          <a:p>
+            <a:pPr algn="l"/>
+            <a:endParaRPr lang="en-US" sz="1800" dirty="0">
+              <a:latin typeface="Consolas" panose="020B0609020204030204" pitchFamily="49" charset="0"/>
+            </a:endParaRPr>
+          </a:p>
+          <a:p>
+            <a:pPr algn="l"/>
+            <a:r>
+              <a:rPr lang="en-US" sz="1800" dirty="0" err="1">
+                <a:solidFill>
+                  <a:srgbClr val="6A3E3E"/>
+                </a:solidFill>
+                <a:latin typeface="Consolas" panose="020B0609020204030204" pitchFamily="49" charset="0"/>
+              </a:rPr>
+              <a:t>b</a:t>
+            </a:r>
+            <a:r>
+              <a:rPr lang="en-US" sz="1800" dirty="0" err="1">
+                <a:solidFill>
+                  <a:srgbClr val="000000"/>
+                </a:solidFill>
+                <a:latin typeface="Consolas" panose="020B0609020204030204" pitchFamily="49" charset="0"/>
+              </a:rPr>
+              <a:t>.add</a:t>
+            </a:r>
+            <a:r>
+              <a:rPr lang="en-US" sz="1800" dirty="0">
+                <a:solidFill>
+                  <a:srgbClr val="000000"/>
+                </a:solidFill>
+                <a:latin typeface="Consolas" panose="020B0609020204030204" pitchFamily="49" charset="0"/>
+              </a:rPr>
+              <a:t>(</a:t>
+            </a:r>
+            <a:r>
+              <a:rPr lang="en-US" sz="1800" dirty="0">
+                <a:solidFill>
+                  <a:srgbClr val="2A00FF"/>
+                </a:solidFill>
+                <a:latin typeface="Consolas" panose="020B0609020204030204" pitchFamily="49" charset="0"/>
+              </a:rPr>
+              <a:t>"</a:t>
+            </a:r>
+            <a:r>
+              <a:rPr lang="en-US" sz="1800" dirty="0" err="1">
+                <a:solidFill>
+                  <a:srgbClr val="2A00FF"/>
+                </a:solidFill>
+                <a:latin typeface="Consolas" panose="020B0609020204030204" pitchFamily="49" charset="0"/>
+              </a:rPr>
+              <a:t>rohit</a:t>
+            </a:r>
+            <a:r>
+              <a:rPr lang="en-US" sz="1800" dirty="0">
+                <a:solidFill>
+                  <a:srgbClr val="2A00FF"/>
+                </a:solidFill>
+                <a:latin typeface="Consolas" panose="020B0609020204030204" pitchFamily="49" charset="0"/>
+              </a:rPr>
+              <a:t>"</a:t>
+            </a:r>
+            <a:r>
+              <a:rPr lang="en-US" sz="1800" dirty="0">
+                <a:solidFill>
+                  <a:srgbClr val="000000"/>
+                </a:solidFill>
+                <a:latin typeface="Consolas" panose="020B0609020204030204" pitchFamily="49" charset="0"/>
+              </a:rPr>
+              <a:t>);</a:t>
+            </a:r>
+          </a:p>
+          <a:p>
+            <a:pPr algn="l"/>
+            <a:r>
+              <a:rPr lang="en-US" sz="1800" dirty="0" err="1">
+                <a:solidFill>
+                  <a:srgbClr val="6A3E3E"/>
+                </a:solidFill>
+                <a:latin typeface="Consolas" panose="020B0609020204030204" pitchFamily="49" charset="0"/>
+              </a:rPr>
+              <a:t>b</a:t>
+            </a:r>
+            <a:r>
+              <a:rPr lang="en-US" sz="1800" dirty="0" err="1">
+                <a:solidFill>
+                  <a:srgbClr val="000000"/>
+                </a:solidFill>
+                <a:latin typeface="Consolas" panose="020B0609020204030204" pitchFamily="49" charset="0"/>
+              </a:rPr>
+              <a:t>.add</a:t>
+            </a:r>
+            <a:r>
+              <a:rPr lang="en-US" sz="1800" dirty="0">
+                <a:solidFill>
+                  <a:srgbClr val="000000"/>
+                </a:solidFill>
+                <a:latin typeface="Consolas" panose="020B0609020204030204" pitchFamily="49" charset="0"/>
+              </a:rPr>
+              <a:t>(</a:t>
+            </a:r>
+            <a:r>
+              <a:rPr lang="en-US" sz="1800" dirty="0">
+                <a:solidFill>
+                  <a:srgbClr val="2A00FF"/>
+                </a:solidFill>
+                <a:latin typeface="Consolas" panose="020B0609020204030204" pitchFamily="49" charset="0"/>
+              </a:rPr>
+              <a:t>"</a:t>
+            </a:r>
+            <a:r>
+              <a:rPr lang="en-US" sz="1800" dirty="0" err="1">
+                <a:solidFill>
+                  <a:srgbClr val="2A00FF"/>
+                </a:solidFill>
+                <a:latin typeface="Consolas" panose="020B0609020204030204" pitchFamily="49" charset="0"/>
+              </a:rPr>
+              <a:t>rohit</a:t>
+            </a:r>
+            <a:r>
+              <a:rPr lang="en-US" sz="1800" dirty="0">
+                <a:solidFill>
+                  <a:srgbClr val="2A00FF"/>
+                </a:solidFill>
+                <a:latin typeface="Consolas" panose="020B0609020204030204" pitchFamily="49" charset="0"/>
+              </a:rPr>
+              <a:t>"</a:t>
+            </a:r>
+            <a:r>
+              <a:rPr lang="en-US" sz="1800" dirty="0">
+                <a:solidFill>
+                  <a:srgbClr val="000000"/>
+                </a:solidFill>
+                <a:latin typeface="Consolas" panose="020B0609020204030204" pitchFamily="49" charset="0"/>
+              </a:rPr>
+              <a:t>);</a:t>
+            </a:r>
+          </a:p>
+          <a:p>
+            <a:pPr algn="l"/>
+            <a:r>
+              <a:rPr lang="en-US" sz="1800" dirty="0" err="1">
+                <a:solidFill>
+                  <a:srgbClr val="000000"/>
+                </a:solidFill>
+                <a:latin typeface="Consolas" panose="020B0609020204030204" pitchFamily="49" charset="0"/>
+              </a:rPr>
+              <a:t>System.</a:t>
+            </a:r>
+            <a:r>
+              <a:rPr lang="en-US" sz="1800" b="1" i="1" dirty="0" err="1">
+                <a:solidFill>
+                  <a:srgbClr val="0000C0"/>
+                </a:solidFill>
+                <a:latin typeface="Consolas" panose="020B0609020204030204" pitchFamily="49" charset="0"/>
+              </a:rPr>
+              <a:t>out</a:t>
+            </a:r>
+            <a:r>
+              <a:rPr lang="en-US" sz="1800" b="1" i="1" dirty="0" err="1">
+                <a:solidFill>
+                  <a:srgbClr val="000000"/>
+                </a:solidFill>
+                <a:latin typeface="Consolas" panose="020B0609020204030204" pitchFamily="49" charset="0"/>
+              </a:rPr>
+              <a:t>.println</a:t>
+            </a:r>
+            <a:r>
+              <a:rPr lang="en-US" sz="1800" b="1" i="1" dirty="0">
+                <a:solidFill>
+                  <a:srgbClr val="000000"/>
+                </a:solidFill>
+                <a:latin typeface="Consolas" panose="020B0609020204030204" pitchFamily="49" charset="0"/>
+              </a:rPr>
+              <a:t>(</a:t>
+            </a:r>
+            <a:r>
+              <a:rPr lang="en-US" sz="1800" b="1" i="1" dirty="0" err="1">
+                <a:solidFill>
+                  <a:srgbClr val="6A3E3E"/>
+                </a:solidFill>
+                <a:latin typeface="Consolas" panose="020B0609020204030204" pitchFamily="49" charset="0"/>
+              </a:rPr>
+              <a:t>b</a:t>
+            </a:r>
+            <a:r>
+              <a:rPr lang="en-US" sz="1800" b="1" i="1" dirty="0" err="1">
+                <a:solidFill>
+                  <a:srgbClr val="000000"/>
+                </a:solidFill>
+                <a:latin typeface="Consolas" panose="020B0609020204030204" pitchFamily="49" charset="0"/>
+              </a:rPr>
+              <a:t>.size</a:t>
+            </a:r>
+            <a:r>
+              <a:rPr lang="en-US" sz="1800" b="1" i="1" dirty="0">
+                <a:solidFill>
+                  <a:srgbClr val="000000"/>
+                </a:solidFill>
+                <a:latin typeface="Consolas" panose="020B0609020204030204" pitchFamily="49" charset="0"/>
+              </a:rPr>
+              <a:t>());</a:t>
+            </a:r>
+            <a:endParaRPr lang="en-US" sz="1800" dirty="0">
+              <a:latin typeface="Consolas" panose="020B0609020204030204" pitchFamily="49" charset="0"/>
+            </a:endParaRPr>
+          </a:p>
+          <a:p>
+            <a:pPr algn="l"/>
+            <a:r>
+              <a:rPr lang="en-US" sz="1800" dirty="0">
+                <a:solidFill>
+                  <a:srgbClr val="000000"/>
+                </a:solidFill>
+                <a:latin typeface="Consolas" panose="020B0609020204030204" pitchFamily="49" charset="0"/>
+              </a:rPr>
+              <a:t>}</a:t>
+            </a:r>
+            <a:endParaRPr lang="en-US" sz="1800" dirty="0">
+              <a:latin typeface="Consolas" panose="020B0609020204030204" pitchFamily="49" charset="0"/>
+            </a:endParaRPr>
+          </a:p>
+          <a:p>
+            <a:pPr algn="l"/>
+            <a:r>
+              <a:rPr lang="en-US" sz="1800" dirty="0">
+                <a:solidFill>
+                  <a:srgbClr val="000000"/>
+                </a:solidFill>
+                <a:latin typeface="Consolas" panose="020B0609020204030204" pitchFamily="49" charset="0"/>
+              </a:rPr>
+              <a:t>}</a:t>
+            </a:r>
+          </a:p>
+        </p:txBody>
+      </p:sp>
+      <p:sp>
+        <p:nvSpPr>
+          <p:cNvPr id="7" name="TextBox 6">
+            <a:extLst>
+              <a:ext uri="{FF2B5EF4-FFF2-40B4-BE49-F238E27FC236}">
+                <a16:creationId xmlns:a16="http://schemas.microsoft.com/office/drawing/2014/main" id="{E8A6425C-8081-4829-9BB9-8B3E512A203E}"/>
+              </a:ext>
+            </a:extLst>
+          </p:cNvPr>
+          <p:cNvSpPr txBox="1"/>
+          <p:nvPr/>
+        </p:nvSpPr>
+        <p:spPr>
+          <a:xfrm>
+            <a:off x="7892716" y="1938771"/>
+            <a:ext cx="4154905" cy="1200329"/>
+          </a:xfrm>
+          <a:prstGeom prst="rect">
+            <a:avLst/>
+          </a:prstGeom>
+          <a:noFill/>
+        </p:spPr>
+        <p:txBody>
+          <a:bodyPr wrap="square">
+            <a:spAutoFit/>
+          </a:bodyPr>
+          <a:lstStyle/>
+          <a:p>
+            <a:pPr algn="l"/>
+            <a:r>
+              <a:rPr lang="en-US" sz="1800" b="1" dirty="0">
+                <a:solidFill>
+                  <a:srgbClr val="3F7F5F"/>
+                </a:solidFill>
+                <a:latin typeface="Consolas" panose="020B0609020204030204" pitchFamily="49" charset="0"/>
+              </a:rPr>
+              <a:t>Duplication allowed</a:t>
+            </a:r>
+          </a:p>
+          <a:p>
+            <a:pPr algn="l"/>
+            <a:r>
+              <a:rPr lang="en-US" sz="1800" b="1" dirty="0">
+                <a:solidFill>
+                  <a:srgbClr val="3F7F5F"/>
+                </a:solidFill>
+                <a:latin typeface="Consolas" panose="020B0609020204030204" pitchFamily="49" charset="0"/>
+              </a:rPr>
+              <a:t>accept duplicate value</a:t>
+            </a:r>
+          </a:p>
+          <a:p>
+            <a:pPr algn="l"/>
+            <a:r>
+              <a:rPr lang="en-US" b="1" dirty="0">
+                <a:solidFill>
+                  <a:srgbClr val="3F7F5F"/>
+                </a:solidFill>
+                <a:latin typeface="Consolas" panose="020B0609020204030204" pitchFamily="49" charset="0"/>
+              </a:rPr>
+              <a:t>Size can increase or decrease</a:t>
+            </a:r>
+            <a:endParaRPr lang="en-US" sz="1800" b="1" dirty="0">
+              <a:solidFill>
+                <a:srgbClr val="3F7F5F"/>
+              </a:solidFill>
+              <a:latin typeface="Consolas" panose="020B0609020204030204" pitchFamily="49" charset="0"/>
+            </a:endParaRPr>
+          </a:p>
+          <a:p>
+            <a:pPr algn="l"/>
+            <a:endParaRPr lang="en-US" b="1" dirty="0"/>
+          </a:p>
+        </p:txBody>
+      </p:sp>
+    </p:spTree>
+    <p:extLst>
+      <p:ext uri="{BB962C8B-B14F-4D97-AF65-F5344CB8AC3E}">
+        <p14:creationId xmlns:p14="http://schemas.microsoft.com/office/powerpoint/2010/main" val="2387748039"/>
+      </p:ext>
+    </p:extLst>
+  </p:cSld>
+  <p:clrMapOvr>
+    <a:masterClrMapping/>
+  </p:clrMapOvr>
+</p:sld>
+</file>
+
+<file path=ppt/slides/slide9.xml><?xml version="1.0" encoding="utf-8"?>
+<p:sld xmlns:a="http://schemas.openxmlformats.org/drawingml/2006/main" xmlns:r="http://schemas.openxmlformats.org/officeDocument/2006/relationships" xmlns:p="http://schemas.openxmlformats.org/presentationml/2006/main">
+  <p:cSld>
+    <p:spTree>
+      <p:nvGrpSpPr>
+        <p:cNvPr id="1" name=""/>
+        <p:cNvGrpSpPr/>
+        <p:nvPr/>
+      </p:nvGrpSpPr>
+      <p:grpSpPr>
+        <a:xfrm>
+          <a:off x="0" y="0"/>
+          <a:ext cx="0" cy="0"/>
+          <a:chOff x="0" y="0"/>
+          <a:chExt cx="0" cy="0"/>
+        </a:xfrm>
+      </p:grpSpPr>
+      <p:sp>
+        <p:nvSpPr>
+          <p:cNvPr id="3" name="TextBox 2">
+            <a:extLst>
+              <a:ext uri="{FF2B5EF4-FFF2-40B4-BE49-F238E27FC236}">
+                <a16:creationId xmlns:a16="http://schemas.microsoft.com/office/drawing/2014/main" id="{8A721677-6394-47CD-94EE-C9CB5D9DF6A3}"/>
+              </a:ext>
+            </a:extLst>
+          </p:cNvPr>
+          <p:cNvSpPr txBox="1"/>
+          <p:nvPr/>
+        </p:nvSpPr>
+        <p:spPr>
+          <a:xfrm>
+            <a:off x="497306" y="474345"/>
+            <a:ext cx="6096000" cy="5909310"/>
+          </a:xfrm>
+          <a:prstGeom prst="rect">
+            <a:avLst/>
+          </a:prstGeom>
+          <a:noFill/>
+        </p:spPr>
+        <p:txBody>
+          <a:bodyPr wrap="square">
+            <a:spAutoFit/>
+          </a:bodyPr>
+          <a:lstStyle/>
+          <a:p>
+            <a:pPr algn="l"/>
+            <a:r>
+              <a:rPr lang="en-US" sz="1800" b="1" dirty="0">
+                <a:solidFill>
+                  <a:srgbClr val="7F0055"/>
+                </a:solidFill>
+                <a:latin typeface="Consolas" panose="020B0609020204030204" pitchFamily="49" charset="0"/>
+              </a:rPr>
+              <a:t>package</a:t>
+            </a:r>
+            <a:r>
+              <a:rPr lang="en-US" sz="1800" b="1" dirty="0">
+                <a:solidFill>
+                  <a:srgbClr val="000000"/>
+                </a:solidFill>
+                <a:latin typeface="Consolas" panose="020B0609020204030204" pitchFamily="49" charset="0"/>
+              </a:rPr>
+              <a:t> collection;</a:t>
+            </a:r>
+          </a:p>
+          <a:p>
+            <a:pPr algn="l"/>
+            <a:endParaRPr lang="en-US" sz="1800" dirty="0">
+              <a:latin typeface="Consolas" panose="020B0609020204030204" pitchFamily="49" charset="0"/>
+            </a:endParaRPr>
+          </a:p>
+          <a:p>
+            <a:pPr algn="l"/>
+            <a:r>
+              <a:rPr lang="en-US" sz="1800" b="1" dirty="0">
+                <a:solidFill>
+                  <a:srgbClr val="7F0055"/>
+                </a:solidFill>
+                <a:latin typeface="Consolas" panose="020B0609020204030204" pitchFamily="49" charset="0"/>
+              </a:rPr>
+              <a:t>import</a:t>
+            </a:r>
+            <a:r>
+              <a:rPr lang="en-US" sz="1800" b="1" dirty="0">
+                <a:solidFill>
+                  <a:srgbClr val="000000"/>
+                </a:solidFill>
+                <a:latin typeface="Consolas" panose="020B0609020204030204" pitchFamily="49" charset="0"/>
+              </a:rPr>
+              <a:t> </a:t>
+            </a:r>
+            <a:r>
+              <a:rPr lang="en-US" sz="1800" b="1" dirty="0" err="1">
+                <a:solidFill>
+                  <a:srgbClr val="000000"/>
+                </a:solidFill>
+                <a:latin typeface="Consolas" panose="020B0609020204030204" pitchFamily="49" charset="0"/>
+              </a:rPr>
+              <a:t>java.util.HashSet</a:t>
+            </a:r>
+            <a:r>
+              <a:rPr lang="en-US" sz="1800" b="1" dirty="0">
+                <a:solidFill>
+                  <a:srgbClr val="000000"/>
+                </a:solidFill>
+                <a:latin typeface="Consolas" panose="020B0609020204030204" pitchFamily="49" charset="0"/>
+              </a:rPr>
+              <a:t>;</a:t>
+            </a:r>
+          </a:p>
+          <a:p>
+            <a:pPr algn="l"/>
+            <a:endParaRPr lang="en-US" sz="1800" dirty="0">
+              <a:latin typeface="Consolas" panose="020B0609020204030204" pitchFamily="49" charset="0"/>
+            </a:endParaRPr>
+          </a:p>
+          <a:p>
+            <a:pPr algn="l"/>
+            <a:r>
+              <a:rPr lang="en-US" sz="1800" b="1" dirty="0">
+                <a:solidFill>
+                  <a:srgbClr val="7F0055"/>
+                </a:solidFill>
+                <a:latin typeface="Consolas" panose="020B0609020204030204" pitchFamily="49" charset="0"/>
+              </a:rPr>
+              <a:t>public</a:t>
+            </a:r>
+            <a:r>
+              <a:rPr lang="en-US" sz="1800" b="1" dirty="0">
+                <a:solidFill>
+                  <a:srgbClr val="000000"/>
+                </a:solidFill>
+                <a:latin typeface="Consolas" panose="020B0609020204030204" pitchFamily="49" charset="0"/>
+              </a:rPr>
+              <a:t> </a:t>
+            </a:r>
+            <a:r>
+              <a:rPr lang="en-US" sz="1800" b="1" dirty="0">
+                <a:solidFill>
+                  <a:srgbClr val="7F0055"/>
+                </a:solidFill>
+                <a:latin typeface="Consolas" panose="020B0609020204030204" pitchFamily="49" charset="0"/>
+              </a:rPr>
+              <a:t>class</a:t>
+            </a:r>
+            <a:r>
+              <a:rPr lang="en-US" sz="1800" b="1" dirty="0">
+                <a:solidFill>
+                  <a:srgbClr val="000000"/>
+                </a:solidFill>
+                <a:latin typeface="Consolas" panose="020B0609020204030204" pitchFamily="49" charset="0"/>
+              </a:rPr>
+              <a:t> </a:t>
+            </a:r>
+            <a:r>
+              <a:rPr lang="en-US" sz="1800" b="1" dirty="0" err="1">
+                <a:solidFill>
+                  <a:srgbClr val="000000"/>
+                </a:solidFill>
+                <a:latin typeface="Consolas" panose="020B0609020204030204" pitchFamily="49" charset="0"/>
+              </a:rPr>
+              <a:t>hashsetexample</a:t>
+            </a:r>
+            <a:r>
+              <a:rPr lang="en-US" sz="1800" b="1" dirty="0">
+                <a:solidFill>
+                  <a:srgbClr val="000000"/>
+                </a:solidFill>
+                <a:latin typeface="Consolas" panose="020B0609020204030204" pitchFamily="49" charset="0"/>
+              </a:rPr>
+              <a:t> {</a:t>
+            </a:r>
+          </a:p>
+          <a:p>
+            <a:pPr algn="l"/>
+            <a:endParaRPr lang="en-US" sz="1800" dirty="0">
+              <a:latin typeface="Consolas" panose="020B0609020204030204" pitchFamily="49" charset="0"/>
+            </a:endParaRPr>
+          </a:p>
+          <a:p>
+            <a:pPr algn="l"/>
+            <a:r>
+              <a:rPr lang="en-US" sz="1800" b="1" dirty="0">
+                <a:solidFill>
+                  <a:srgbClr val="7F0055"/>
+                </a:solidFill>
+                <a:latin typeface="Consolas" panose="020B0609020204030204" pitchFamily="49" charset="0"/>
+              </a:rPr>
+              <a:t>public</a:t>
+            </a:r>
+            <a:r>
+              <a:rPr lang="en-US" sz="1800" b="1" dirty="0">
+                <a:solidFill>
+                  <a:srgbClr val="000000"/>
+                </a:solidFill>
+                <a:latin typeface="Consolas" panose="020B0609020204030204" pitchFamily="49" charset="0"/>
+              </a:rPr>
+              <a:t> </a:t>
+            </a:r>
+            <a:r>
+              <a:rPr lang="en-US" sz="1800" b="1" dirty="0">
+                <a:solidFill>
+                  <a:srgbClr val="7F0055"/>
+                </a:solidFill>
+                <a:latin typeface="Consolas" panose="020B0609020204030204" pitchFamily="49" charset="0"/>
+              </a:rPr>
+              <a:t>static</a:t>
+            </a:r>
+            <a:r>
+              <a:rPr lang="en-US" sz="1800" b="1" dirty="0">
+                <a:solidFill>
+                  <a:srgbClr val="000000"/>
+                </a:solidFill>
+                <a:latin typeface="Consolas" panose="020B0609020204030204" pitchFamily="49" charset="0"/>
+              </a:rPr>
+              <a:t> </a:t>
+            </a:r>
+            <a:r>
+              <a:rPr lang="en-US" sz="1800" b="1" dirty="0">
+                <a:solidFill>
+                  <a:srgbClr val="7F0055"/>
+                </a:solidFill>
+                <a:latin typeface="Consolas" panose="020B0609020204030204" pitchFamily="49" charset="0"/>
+              </a:rPr>
+              <a:t>void</a:t>
+            </a:r>
+            <a:r>
+              <a:rPr lang="en-US" sz="1800" b="1" dirty="0">
+                <a:solidFill>
+                  <a:srgbClr val="000000"/>
+                </a:solidFill>
+                <a:latin typeface="Consolas" panose="020B0609020204030204" pitchFamily="49" charset="0"/>
+              </a:rPr>
+              <a:t> main(String </a:t>
+            </a:r>
+            <a:r>
+              <a:rPr lang="en-US" sz="1800" b="1" dirty="0" err="1">
+                <a:solidFill>
+                  <a:srgbClr val="6A3E3E"/>
+                </a:solidFill>
+                <a:latin typeface="Consolas" panose="020B0609020204030204" pitchFamily="49" charset="0"/>
+              </a:rPr>
+              <a:t>args</a:t>
+            </a:r>
+            <a:r>
+              <a:rPr lang="en-US" sz="1800" b="1" dirty="0">
+                <a:solidFill>
+                  <a:srgbClr val="000000"/>
+                </a:solidFill>
+                <a:latin typeface="Consolas" panose="020B0609020204030204" pitchFamily="49" charset="0"/>
+              </a:rPr>
+              <a:t>[])</a:t>
+            </a:r>
+          </a:p>
+          <a:p>
+            <a:pPr algn="l"/>
+            <a:r>
+              <a:rPr lang="en-US" sz="1800" dirty="0">
+                <a:solidFill>
+                  <a:srgbClr val="000000"/>
+                </a:solidFill>
+                <a:latin typeface="Consolas" panose="020B0609020204030204" pitchFamily="49" charset="0"/>
+              </a:rPr>
+              <a:t>{</a:t>
+            </a:r>
+          </a:p>
+          <a:p>
+            <a:pPr algn="l"/>
+            <a:endParaRPr lang="en-US" sz="1800" dirty="0">
+              <a:latin typeface="Consolas" panose="020B0609020204030204" pitchFamily="49" charset="0"/>
+            </a:endParaRPr>
+          </a:p>
+          <a:p>
+            <a:pPr algn="l"/>
+            <a:r>
+              <a:rPr lang="en-US" sz="1800" dirty="0">
+                <a:solidFill>
+                  <a:srgbClr val="000000"/>
+                </a:solidFill>
+                <a:latin typeface="Consolas" panose="020B0609020204030204" pitchFamily="49" charset="0"/>
+              </a:rPr>
+              <a:t>HashSet&lt;String&gt; </a:t>
+            </a:r>
+            <a:r>
+              <a:rPr lang="en-US" sz="1800" dirty="0" err="1">
+                <a:solidFill>
+                  <a:srgbClr val="6A3E3E"/>
+                </a:solidFill>
+                <a:latin typeface="Consolas" panose="020B0609020204030204" pitchFamily="49" charset="0"/>
+              </a:rPr>
+              <a:t>hs</a:t>
+            </a:r>
+            <a:r>
+              <a:rPr lang="en-US" sz="1800" dirty="0">
+                <a:solidFill>
+                  <a:srgbClr val="000000"/>
+                </a:solidFill>
+                <a:latin typeface="Consolas" panose="020B0609020204030204" pitchFamily="49" charset="0"/>
+              </a:rPr>
+              <a:t> = </a:t>
+            </a:r>
+            <a:r>
+              <a:rPr lang="en-US" sz="1800" b="1" dirty="0">
+                <a:solidFill>
+                  <a:srgbClr val="7F0055"/>
+                </a:solidFill>
+                <a:latin typeface="Consolas" panose="020B0609020204030204" pitchFamily="49" charset="0"/>
+              </a:rPr>
+              <a:t>new</a:t>
+            </a:r>
+            <a:r>
+              <a:rPr lang="en-US" sz="1800" b="1" dirty="0">
+                <a:solidFill>
+                  <a:srgbClr val="000000"/>
+                </a:solidFill>
+                <a:latin typeface="Consolas" panose="020B0609020204030204" pitchFamily="49" charset="0"/>
+              </a:rPr>
+              <a:t> HashSet&lt;String&gt;();</a:t>
+            </a:r>
+          </a:p>
+          <a:p>
+            <a:pPr algn="l"/>
+            <a:endParaRPr lang="en-US" sz="1800" dirty="0">
+              <a:latin typeface="Consolas" panose="020B0609020204030204" pitchFamily="49" charset="0"/>
+            </a:endParaRPr>
+          </a:p>
+          <a:p>
+            <a:pPr algn="l"/>
+            <a:r>
+              <a:rPr lang="en-US" sz="1800" dirty="0" err="1">
+                <a:solidFill>
+                  <a:srgbClr val="6A3E3E"/>
+                </a:solidFill>
+                <a:latin typeface="Consolas" panose="020B0609020204030204" pitchFamily="49" charset="0"/>
+              </a:rPr>
+              <a:t>hs</a:t>
+            </a:r>
+            <a:r>
+              <a:rPr lang="en-US" sz="1800" dirty="0" err="1">
+                <a:solidFill>
+                  <a:srgbClr val="000000"/>
+                </a:solidFill>
+                <a:latin typeface="Consolas" panose="020B0609020204030204" pitchFamily="49" charset="0"/>
+              </a:rPr>
+              <a:t>.add</a:t>
+            </a:r>
+            <a:r>
+              <a:rPr lang="en-US" sz="1800" dirty="0">
+                <a:solidFill>
+                  <a:srgbClr val="000000"/>
+                </a:solidFill>
+                <a:latin typeface="Consolas" panose="020B0609020204030204" pitchFamily="49" charset="0"/>
+              </a:rPr>
+              <a:t>(</a:t>
+            </a:r>
+            <a:r>
+              <a:rPr lang="en-US" sz="1800" dirty="0">
+                <a:solidFill>
+                  <a:srgbClr val="2A00FF"/>
+                </a:solidFill>
+                <a:latin typeface="Consolas" panose="020B0609020204030204" pitchFamily="49" charset="0"/>
+              </a:rPr>
+              <a:t>"Rohit"</a:t>
+            </a:r>
+            <a:r>
+              <a:rPr lang="en-US" sz="1800" dirty="0">
+                <a:solidFill>
+                  <a:srgbClr val="000000"/>
+                </a:solidFill>
+                <a:latin typeface="Consolas" panose="020B0609020204030204" pitchFamily="49" charset="0"/>
+              </a:rPr>
+              <a:t>);</a:t>
+            </a:r>
+          </a:p>
+          <a:p>
+            <a:pPr algn="l"/>
+            <a:r>
+              <a:rPr lang="en-US" sz="1800" dirty="0" err="1">
+                <a:solidFill>
+                  <a:srgbClr val="6A3E3E"/>
+                </a:solidFill>
+                <a:latin typeface="Consolas" panose="020B0609020204030204" pitchFamily="49" charset="0"/>
+              </a:rPr>
+              <a:t>hs</a:t>
+            </a:r>
+            <a:r>
+              <a:rPr lang="en-US" sz="1800" dirty="0" err="1">
+                <a:solidFill>
+                  <a:srgbClr val="000000"/>
+                </a:solidFill>
+                <a:latin typeface="Consolas" panose="020B0609020204030204" pitchFamily="49" charset="0"/>
+              </a:rPr>
+              <a:t>.add</a:t>
+            </a:r>
+            <a:r>
+              <a:rPr lang="en-US" sz="1800" dirty="0">
+                <a:solidFill>
+                  <a:srgbClr val="000000"/>
+                </a:solidFill>
+                <a:latin typeface="Consolas" panose="020B0609020204030204" pitchFamily="49" charset="0"/>
+              </a:rPr>
+              <a:t>(</a:t>
+            </a:r>
+            <a:r>
+              <a:rPr lang="en-US" sz="1800" dirty="0">
+                <a:solidFill>
+                  <a:srgbClr val="2A00FF"/>
+                </a:solidFill>
+                <a:latin typeface="Consolas" panose="020B0609020204030204" pitchFamily="49" charset="0"/>
+              </a:rPr>
+              <a:t>"Chandrakant"</a:t>
+            </a:r>
+            <a:r>
+              <a:rPr lang="en-US" sz="1800" dirty="0">
+                <a:solidFill>
+                  <a:srgbClr val="000000"/>
+                </a:solidFill>
+                <a:latin typeface="Consolas" panose="020B0609020204030204" pitchFamily="49" charset="0"/>
+              </a:rPr>
+              <a:t>);</a:t>
+            </a:r>
+          </a:p>
+          <a:p>
+            <a:pPr algn="l"/>
+            <a:r>
+              <a:rPr lang="en-US" sz="1800" dirty="0" err="1">
+                <a:solidFill>
+                  <a:srgbClr val="6A3E3E"/>
+                </a:solidFill>
+                <a:latin typeface="Consolas" panose="020B0609020204030204" pitchFamily="49" charset="0"/>
+              </a:rPr>
+              <a:t>hs</a:t>
+            </a:r>
+            <a:r>
+              <a:rPr lang="en-US" sz="1800" dirty="0" err="1">
+                <a:solidFill>
+                  <a:srgbClr val="000000"/>
+                </a:solidFill>
+                <a:latin typeface="Consolas" panose="020B0609020204030204" pitchFamily="49" charset="0"/>
+              </a:rPr>
+              <a:t>.add</a:t>
+            </a:r>
+            <a:r>
+              <a:rPr lang="en-US" sz="1800" dirty="0">
+                <a:solidFill>
+                  <a:srgbClr val="000000"/>
+                </a:solidFill>
+                <a:latin typeface="Consolas" panose="020B0609020204030204" pitchFamily="49" charset="0"/>
+              </a:rPr>
+              <a:t>(</a:t>
+            </a:r>
+            <a:r>
+              <a:rPr lang="en-US" sz="1800" dirty="0">
+                <a:solidFill>
+                  <a:srgbClr val="2A00FF"/>
+                </a:solidFill>
+                <a:latin typeface="Consolas" panose="020B0609020204030204" pitchFamily="49" charset="0"/>
+              </a:rPr>
+              <a:t>"Bhosale"</a:t>
+            </a:r>
+            <a:r>
+              <a:rPr lang="en-US" sz="1800" dirty="0">
+                <a:solidFill>
+                  <a:srgbClr val="000000"/>
+                </a:solidFill>
+                <a:latin typeface="Consolas" panose="020B0609020204030204" pitchFamily="49" charset="0"/>
+              </a:rPr>
+              <a:t>);</a:t>
+            </a:r>
+          </a:p>
+          <a:p>
+            <a:pPr algn="l"/>
+            <a:r>
+              <a:rPr lang="en-US" sz="1800" dirty="0" err="1">
+                <a:solidFill>
+                  <a:srgbClr val="000000"/>
+                </a:solidFill>
+                <a:latin typeface="Consolas" panose="020B0609020204030204" pitchFamily="49" charset="0"/>
+              </a:rPr>
+              <a:t>System.</a:t>
+            </a:r>
+            <a:r>
+              <a:rPr lang="en-US" sz="1800" b="1" i="1" dirty="0" err="1">
+                <a:solidFill>
+                  <a:srgbClr val="0000C0"/>
+                </a:solidFill>
+                <a:latin typeface="Consolas" panose="020B0609020204030204" pitchFamily="49" charset="0"/>
+              </a:rPr>
+              <a:t>out</a:t>
+            </a:r>
+            <a:r>
+              <a:rPr lang="en-US" sz="1800" b="1" i="1" dirty="0" err="1">
+                <a:solidFill>
+                  <a:srgbClr val="000000"/>
+                </a:solidFill>
+                <a:latin typeface="Consolas" panose="020B0609020204030204" pitchFamily="49" charset="0"/>
+              </a:rPr>
+              <a:t>.println</a:t>
+            </a:r>
+            <a:r>
+              <a:rPr lang="en-US" sz="1800" b="1" i="1" dirty="0">
+                <a:solidFill>
+                  <a:srgbClr val="000000"/>
+                </a:solidFill>
+                <a:latin typeface="Consolas" panose="020B0609020204030204" pitchFamily="49" charset="0"/>
+              </a:rPr>
+              <a:t>(</a:t>
+            </a:r>
+            <a:r>
+              <a:rPr lang="en-US" sz="1800" b="1" i="1" dirty="0" err="1">
+                <a:solidFill>
+                  <a:srgbClr val="6A3E3E"/>
+                </a:solidFill>
+                <a:latin typeface="Consolas" panose="020B0609020204030204" pitchFamily="49" charset="0"/>
+              </a:rPr>
+              <a:t>hs</a:t>
+            </a:r>
+            <a:r>
+              <a:rPr lang="en-US" sz="1800" b="1" i="1" dirty="0">
+                <a:solidFill>
+                  <a:srgbClr val="000000"/>
+                </a:solidFill>
+                <a:latin typeface="Consolas" panose="020B0609020204030204" pitchFamily="49" charset="0"/>
+              </a:rPr>
+              <a:t>);</a:t>
+            </a:r>
+          </a:p>
+          <a:p>
+            <a:pPr algn="l"/>
+            <a:r>
+              <a:rPr lang="en-US" sz="1800" dirty="0" err="1">
+                <a:solidFill>
+                  <a:srgbClr val="000000"/>
+                </a:solidFill>
+                <a:latin typeface="Consolas" panose="020B0609020204030204" pitchFamily="49" charset="0"/>
+              </a:rPr>
+              <a:t>System.</a:t>
+            </a:r>
+            <a:r>
+              <a:rPr lang="en-US" sz="1800" b="1" i="1" dirty="0" err="1">
+                <a:solidFill>
+                  <a:srgbClr val="0000C0"/>
+                </a:solidFill>
+                <a:latin typeface="Consolas" panose="020B0609020204030204" pitchFamily="49" charset="0"/>
+              </a:rPr>
+              <a:t>out</a:t>
+            </a:r>
+            <a:r>
+              <a:rPr lang="en-US" sz="1800" b="1" i="1" dirty="0" err="1">
+                <a:solidFill>
+                  <a:srgbClr val="000000"/>
+                </a:solidFill>
+                <a:latin typeface="Consolas" panose="020B0609020204030204" pitchFamily="49" charset="0"/>
+              </a:rPr>
+              <a:t>.println</a:t>
+            </a:r>
+            <a:r>
+              <a:rPr lang="en-US" sz="1800" b="1" i="1" dirty="0">
+                <a:solidFill>
+                  <a:srgbClr val="000000"/>
+                </a:solidFill>
+                <a:latin typeface="Consolas" panose="020B0609020204030204" pitchFamily="49" charset="0"/>
+              </a:rPr>
+              <a:t>(</a:t>
+            </a:r>
+            <a:r>
+              <a:rPr lang="en-US" sz="1800" b="1" i="1" dirty="0" err="1">
+                <a:solidFill>
+                  <a:srgbClr val="6A3E3E"/>
+                </a:solidFill>
+                <a:latin typeface="Consolas" panose="020B0609020204030204" pitchFamily="49" charset="0"/>
+              </a:rPr>
+              <a:t>hs</a:t>
+            </a:r>
+            <a:r>
+              <a:rPr lang="en-US" sz="1800" b="1" i="1" dirty="0" err="1">
+                <a:solidFill>
+                  <a:srgbClr val="000000"/>
+                </a:solidFill>
+                <a:latin typeface="Consolas" panose="020B0609020204030204" pitchFamily="49" charset="0"/>
+              </a:rPr>
+              <a:t>.remove</a:t>
+            </a:r>
+            <a:r>
+              <a:rPr lang="en-US" sz="1800" b="1" i="1" dirty="0">
+                <a:solidFill>
+                  <a:srgbClr val="000000"/>
+                </a:solidFill>
+                <a:latin typeface="Consolas" panose="020B0609020204030204" pitchFamily="49" charset="0"/>
+              </a:rPr>
+              <a:t>(</a:t>
+            </a:r>
+            <a:r>
+              <a:rPr lang="en-US" sz="1800" b="1" i="1" dirty="0">
+                <a:solidFill>
+                  <a:srgbClr val="2A00FF"/>
+                </a:solidFill>
+                <a:latin typeface="Consolas" panose="020B0609020204030204" pitchFamily="49" charset="0"/>
+              </a:rPr>
+              <a:t>"Chandrakant"</a:t>
+            </a:r>
+            <a:r>
+              <a:rPr lang="en-US" sz="1800" b="1" i="1" dirty="0">
+                <a:solidFill>
+                  <a:srgbClr val="000000"/>
+                </a:solidFill>
+                <a:latin typeface="Consolas" panose="020B0609020204030204" pitchFamily="49" charset="0"/>
+              </a:rPr>
+              <a:t>));</a:t>
+            </a:r>
+          </a:p>
+          <a:p>
+            <a:pPr algn="l"/>
+            <a:r>
+              <a:rPr lang="en-US" sz="1800" dirty="0" err="1">
+                <a:solidFill>
+                  <a:srgbClr val="000000"/>
+                </a:solidFill>
+                <a:latin typeface="Consolas" panose="020B0609020204030204" pitchFamily="49" charset="0"/>
+              </a:rPr>
+              <a:t>System.</a:t>
+            </a:r>
+            <a:r>
+              <a:rPr lang="en-US" sz="1800" b="1" i="1" dirty="0" err="1">
+                <a:solidFill>
+                  <a:srgbClr val="0000C0"/>
+                </a:solidFill>
+                <a:latin typeface="Consolas" panose="020B0609020204030204" pitchFamily="49" charset="0"/>
+              </a:rPr>
+              <a:t>out</a:t>
+            </a:r>
+            <a:r>
+              <a:rPr lang="en-US" sz="1800" b="1" i="1" dirty="0" err="1">
+                <a:solidFill>
+                  <a:srgbClr val="000000"/>
+                </a:solidFill>
+                <a:latin typeface="Consolas" panose="020B0609020204030204" pitchFamily="49" charset="0"/>
+              </a:rPr>
+              <a:t>.println</a:t>
+            </a:r>
+            <a:r>
+              <a:rPr lang="en-US" sz="1800" b="1" i="1" dirty="0">
+                <a:solidFill>
+                  <a:srgbClr val="000000"/>
+                </a:solidFill>
+                <a:latin typeface="Consolas" panose="020B0609020204030204" pitchFamily="49" charset="0"/>
+              </a:rPr>
+              <a:t>(</a:t>
+            </a:r>
+            <a:r>
+              <a:rPr lang="en-US" sz="1800" b="1" i="1" dirty="0" err="1">
+                <a:solidFill>
+                  <a:srgbClr val="6A3E3E"/>
+                </a:solidFill>
+                <a:latin typeface="Consolas" panose="020B0609020204030204" pitchFamily="49" charset="0"/>
+              </a:rPr>
+              <a:t>hs</a:t>
+            </a:r>
+            <a:r>
+              <a:rPr lang="en-US" sz="1800" b="1" i="1" dirty="0" err="1">
+                <a:solidFill>
+                  <a:srgbClr val="000000"/>
+                </a:solidFill>
+                <a:latin typeface="Consolas" panose="020B0609020204030204" pitchFamily="49" charset="0"/>
+              </a:rPr>
+              <a:t>.isEmpty</a:t>
+            </a:r>
+            <a:r>
+              <a:rPr lang="en-US" sz="1800" b="1" i="1" dirty="0">
+                <a:solidFill>
+                  <a:srgbClr val="000000"/>
+                </a:solidFill>
+                <a:latin typeface="Consolas" panose="020B0609020204030204" pitchFamily="49" charset="0"/>
+              </a:rPr>
+              <a:t>());</a:t>
+            </a:r>
+          </a:p>
+          <a:p>
+            <a:pPr algn="l"/>
+            <a:r>
+              <a:rPr lang="en-US" sz="1800" dirty="0" err="1">
+                <a:solidFill>
+                  <a:srgbClr val="000000"/>
+                </a:solidFill>
+                <a:latin typeface="Consolas" panose="020B0609020204030204" pitchFamily="49" charset="0"/>
+              </a:rPr>
+              <a:t>System.</a:t>
+            </a:r>
+            <a:r>
+              <a:rPr lang="en-US" sz="1800" b="1" i="1" dirty="0" err="1">
+                <a:solidFill>
+                  <a:srgbClr val="0000C0"/>
+                </a:solidFill>
+                <a:latin typeface="Consolas" panose="020B0609020204030204" pitchFamily="49" charset="0"/>
+              </a:rPr>
+              <a:t>out</a:t>
+            </a:r>
+            <a:r>
+              <a:rPr lang="en-US" sz="1800" b="1" i="1" dirty="0" err="1">
+                <a:solidFill>
+                  <a:srgbClr val="000000"/>
+                </a:solidFill>
+                <a:latin typeface="Consolas" panose="020B0609020204030204" pitchFamily="49" charset="0"/>
+              </a:rPr>
+              <a:t>.println</a:t>
+            </a:r>
+            <a:r>
+              <a:rPr lang="en-US" sz="1800" b="1" i="1" dirty="0">
+                <a:solidFill>
+                  <a:srgbClr val="000000"/>
+                </a:solidFill>
+                <a:latin typeface="Consolas" panose="020B0609020204030204" pitchFamily="49" charset="0"/>
+              </a:rPr>
+              <a:t>(</a:t>
+            </a:r>
+            <a:r>
+              <a:rPr lang="en-US" sz="1800" b="1" i="1" dirty="0" err="1">
+                <a:solidFill>
+                  <a:srgbClr val="6A3E3E"/>
+                </a:solidFill>
+                <a:latin typeface="Consolas" panose="020B0609020204030204" pitchFamily="49" charset="0"/>
+              </a:rPr>
+              <a:t>hs</a:t>
+            </a:r>
+            <a:r>
+              <a:rPr lang="en-US" sz="1800" b="1" i="1" dirty="0" err="1">
+                <a:solidFill>
+                  <a:srgbClr val="000000"/>
+                </a:solidFill>
+                <a:latin typeface="Consolas" panose="020B0609020204030204" pitchFamily="49" charset="0"/>
+              </a:rPr>
+              <a:t>.size</a:t>
+            </a:r>
+            <a:r>
+              <a:rPr lang="en-US" sz="1800" b="1" i="1" dirty="0">
+                <a:solidFill>
+                  <a:srgbClr val="000000"/>
+                </a:solidFill>
+                <a:latin typeface="Consolas" panose="020B0609020204030204" pitchFamily="49" charset="0"/>
+              </a:rPr>
+              <a:t>());</a:t>
+            </a:r>
+          </a:p>
+          <a:p>
+            <a:pPr algn="l"/>
+            <a:r>
+              <a:rPr lang="en-US" sz="1800" dirty="0">
+                <a:solidFill>
+                  <a:srgbClr val="000000"/>
+                </a:solidFill>
+                <a:latin typeface="Consolas" panose="020B0609020204030204" pitchFamily="49" charset="0"/>
+              </a:rPr>
+              <a:t>}</a:t>
+            </a:r>
+          </a:p>
+          <a:p>
+            <a:pPr algn="l"/>
+            <a:endParaRPr lang="en-US" sz="1800" dirty="0">
+              <a:latin typeface="Consolas" panose="020B0609020204030204" pitchFamily="49" charset="0"/>
+            </a:endParaRPr>
+          </a:p>
+          <a:p>
+            <a:pPr algn="l"/>
+            <a:r>
+              <a:rPr lang="en-US" sz="1800" dirty="0">
+                <a:solidFill>
+                  <a:srgbClr val="000000"/>
+                </a:solidFill>
+                <a:latin typeface="Consolas" panose="020B0609020204030204" pitchFamily="49" charset="0"/>
+              </a:rPr>
+              <a:t>}</a:t>
+            </a:r>
+            <a:endParaRPr lang="en-US" dirty="0"/>
+          </a:p>
+        </p:txBody>
+      </p:sp>
+      <p:sp>
+        <p:nvSpPr>
+          <p:cNvPr id="5" name="TextBox 4">
+            <a:extLst>
+              <a:ext uri="{FF2B5EF4-FFF2-40B4-BE49-F238E27FC236}">
+                <a16:creationId xmlns:a16="http://schemas.microsoft.com/office/drawing/2014/main" id="{B45C4AC8-2F76-4CB1-9A12-59407207227F}"/>
+              </a:ext>
+            </a:extLst>
+          </p:cNvPr>
+          <p:cNvSpPr txBox="1"/>
+          <p:nvPr/>
+        </p:nvSpPr>
+        <p:spPr>
+          <a:xfrm>
+            <a:off x="8261683" y="697650"/>
+            <a:ext cx="2213812" cy="707886"/>
+          </a:xfrm>
+          <a:prstGeom prst="rect">
+            <a:avLst/>
+          </a:prstGeom>
+          <a:noFill/>
+        </p:spPr>
+        <p:txBody>
+          <a:bodyPr wrap="square">
+            <a:spAutoFit/>
+          </a:bodyPr>
+          <a:lstStyle/>
+          <a:p>
+            <a:r>
+              <a:rPr lang="en-US" sz="4000" b="1" dirty="0"/>
+              <a:t>HashSet</a:t>
+            </a:r>
+          </a:p>
+        </p:txBody>
+      </p:sp>
+      <p:sp>
+        <p:nvSpPr>
+          <p:cNvPr id="7" name="TextBox 6">
+            <a:extLst>
+              <a:ext uri="{FF2B5EF4-FFF2-40B4-BE49-F238E27FC236}">
+                <a16:creationId xmlns:a16="http://schemas.microsoft.com/office/drawing/2014/main" id="{0CE9E3E6-00A1-42FD-B6AE-5E2D7E563810}"/>
+              </a:ext>
+            </a:extLst>
+          </p:cNvPr>
+          <p:cNvSpPr txBox="1"/>
+          <p:nvPr/>
+        </p:nvSpPr>
+        <p:spPr>
+          <a:xfrm>
+            <a:off x="7571874" y="2035024"/>
+            <a:ext cx="4122820" cy="646331"/>
+          </a:xfrm>
+          <a:prstGeom prst="rect">
+            <a:avLst/>
+          </a:prstGeom>
+          <a:noFill/>
+        </p:spPr>
+        <p:txBody>
+          <a:bodyPr wrap="square">
+            <a:spAutoFit/>
+          </a:bodyPr>
+          <a:lstStyle/>
+          <a:p>
+            <a:pPr algn="l"/>
+            <a:r>
+              <a:rPr lang="en-US" sz="1800" b="1" dirty="0">
+                <a:solidFill>
+                  <a:srgbClr val="3F7F5F"/>
+                </a:solidFill>
+                <a:latin typeface="Consolas" panose="020B0609020204030204" pitchFamily="49" charset="0"/>
+              </a:rPr>
+              <a:t>duplicate value not accepted</a:t>
+            </a:r>
+          </a:p>
+          <a:p>
+            <a:pPr algn="l"/>
+            <a:r>
+              <a:rPr lang="en-US" sz="1800" b="1" dirty="0">
+                <a:solidFill>
+                  <a:srgbClr val="3F7F5F"/>
+                </a:solidFill>
+                <a:latin typeface="Consolas" panose="020B0609020204030204" pitchFamily="49" charset="0"/>
+              </a:rPr>
+              <a:t>sequence not matter</a:t>
+            </a:r>
+          </a:p>
+        </p:txBody>
+      </p:sp>
+    </p:spTree>
+    <p:extLst>
+      <p:ext uri="{BB962C8B-B14F-4D97-AF65-F5344CB8AC3E}">
+        <p14:creationId xmlns:p14="http://schemas.microsoft.com/office/powerpoint/2010/main" val="3359651028"/>
       </p:ext>
     </p:extLst>
   </p:cSld>
